--- a/project_1/docs/Peoples_ENGI301_project_01_proposal.pptx
+++ b/project_1/docs/Peoples_ENGI301_project_01_proposal.pptx
@@ -5,10 +5,10 @@
     <p:sldMasterId id="2147483648" r:id="rId1"/>
   </p:sldMasterIdLst>
   <p:notesMasterIdLst>
-    <p:notesMasterId r:id="rId7"/>
+    <p:notesMasterId r:id="rId8"/>
   </p:notesMasterIdLst>
   <p:handoutMasterIdLst>
-    <p:handoutMasterId r:id="rId8"/>
+    <p:handoutMasterId r:id="rId9"/>
   </p:handoutMasterIdLst>
   <p:sldIdLst>
     <p:sldId id="261" r:id="rId2"/>
@@ -16,6 +16,7 @@
     <p:sldId id="368" r:id="rId4"/>
     <p:sldId id="370" r:id="rId5"/>
     <p:sldId id="369" r:id="rId6"/>
+    <p:sldId id="371" r:id="rId7"/>
   </p:sldIdLst>
   <p:sldSz cx="12192000" cy="6858000"/>
   <p:notesSz cx="6858000" cy="9144000"/>
@@ -136,6 +137,426 @@
 </p:presentation>
 </file>
 
+<file path=ppt/revisionInfo.xml><?xml version="1.0" encoding="utf-8"?>
+<p1510:revInfo xmlns:a="http://schemas.openxmlformats.org/drawingml/2006/main" xmlns:r="http://schemas.openxmlformats.org/officeDocument/2006/relationships" xmlns:p1510="http://schemas.microsoft.com/office/powerpoint/2015/10/main">
+  <p1510:revLst>
+    <p1510:client id="{62BD14F5-DF93-4196-9207-80ECF2FABE3F}" v="21" dt="2022-11-19T23:39:21.220"/>
+  </p1510:revLst>
+</p1510:revInfo>
+</file>
+
+<file path=ppt/changesInfos/changesInfo1.xml><?xml version="1.0" encoding="utf-8"?>
+<pc:chgInfo xmlns:a="http://schemas.openxmlformats.org/drawingml/2006/main" xmlns:r="http://schemas.openxmlformats.org/officeDocument/2006/relationships" xmlns:ac="http://schemas.microsoft.com/office/drawing/2013/main/command" xmlns:pc="http://schemas.microsoft.com/office/powerpoint/2013/main/command">
+  <pc:docChgLst>
+    <pc:chgData name="brandonpeoples01@gmail.com" userId="ee6bb07c18fc021f" providerId="LiveId" clId="{62BD14F5-DF93-4196-9207-80ECF2FABE3F}"/>
+    <pc:docChg chg="undo custSel addSld modSld">
+      <pc:chgData name="brandonpeoples01@gmail.com" userId="ee6bb07c18fc021f" providerId="LiveId" clId="{62BD14F5-DF93-4196-9207-80ECF2FABE3F}" dt="2022-11-19T23:39:21.220" v="387"/>
+      <pc:docMkLst>
+        <pc:docMk/>
+      </pc:docMkLst>
+      <pc:sldChg chg="modSp mod">
+        <pc:chgData name="brandonpeoples01@gmail.com" userId="ee6bb07c18fc021f" providerId="LiveId" clId="{62BD14F5-DF93-4196-9207-80ECF2FABE3F}" dt="2022-11-19T23:23:44.842" v="14" actId="1076"/>
+        <pc:sldMkLst>
+          <pc:docMk/>
+          <pc:sldMk cId="140782560" sldId="368"/>
+        </pc:sldMkLst>
+        <pc:spChg chg="mod">
+          <ac:chgData name="brandonpeoples01@gmail.com" userId="ee6bb07c18fc021f" providerId="LiveId" clId="{62BD14F5-DF93-4196-9207-80ECF2FABE3F}" dt="2022-11-19T21:34:44.815" v="0" actId="1076"/>
+          <ac:spMkLst>
+            <pc:docMk/>
+            <pc:sldMk cId="140782560" sldId="368"/>
+            <ac:spMk id="2" creationId="{935B93E4-AB7E-4F3D-B6C5-4ED4B78FA4AF}"/>
+          </ac:spMkLst>
+        </pc:spChg>
+        <pc:spChg chg="mod">
+          <ac:chgData name="brandonpeoples01@gmail.com" userId="ee6bb07c18fc021f" providerId="LiveId" clId="{62BD14F5-DF93-4196-9207-80ECF2FABE3F}" dt="2022-11-19T21:34:52.519" v="2" actId="1076"/>
+          <ac:spMkLst>
+            <pc:docMk/>
+            <pc:sldMk cId="140782560" sldId="368"/>
+            <ac:spMk id="4" creationId="{AF7EF060-2D33-40AD-BF35-12E6A5F1F172}"/>
+          </ac:spMkLst>
+        </pc:spChg>
+        <pc:spChg chg="mod">
+          <ac:chgData name="brandonpeoples01@gmail.com" userId="ee6bb07c18fc021f" providerId="LiveId" clId="{62BD14F5-DF93-4196-9207-80ECF2FABE3F}" dt="2022-11-19T21:34:58.765" v="4" actId="14100"/>
+          <ac:spMkLst>
+            <pc:docMk/>
+            <pc:sldMk cId="140782560" sldId="368"/>
+            <ac:spMk id="105" creationId="{50AC6A3C-A721-CDE3-2272-5722E95462DA}"/>
+          </ac:spMkLst>
+        </pc:spChg>
+        <pc:spChg chg="mod">
+          <ac:chgData name="brandonpeoples01@gmail.com" userId="ee6bb07c18fc021f" providerId="LiveId" clId="{62BD14F5-DF93-4196-9207-80ECF2FABE3F}" dt="2022-11-19T23:23:44.842" v="14" actId="1076"/>
+          <ac:spMkLst>
+            <pc:docMk/>
+            <pc:sldMk cId="140782560" sldId="368"/>
+            <ac:spMk id="127" creationId="{2CC3BD95-D9CA-E86E-FDCE-9A6FF5DE637E}"/>
+          </ac:spMkLst>
+        </pc:spChg>
+      </pc:sldChg>
+      <pc:sldChg chg="addSp delSp modSp new mod">
+        <pc:chgData name="brandonpeoples01@gmail.com" userId="ee6bb07c18fc021f" providerId="LiveId" clId="{62BD14F5-DF93-4196-9207-80ECF2FABE3F}" dt="2022-11-19T23:39:21.220" v="387"/>
+        <pc:sldMkLst>
+          <pc:docMk/>
+          <pc:sldMk cId="2302754723" sldId="371"/>
+        </pc:sldMkLst>
+        <pc:spChg chg="add del mod">
+          <ac:chgData name="brandonpeoples01@gmail.com" userId="ee6bb07c18fc021f" providerId="LiveId" clId="{62BD14F5-DF93-4196-9207-80ECF2FABE3F}" dt="2022-11-19T23:23:22.068" v="12" actId="478"/>
+          <ac:spMkLst>
+            <pc:docMk/>
+            <pc:sldMk cId="2302754723" sldId="371"/>
+            <ac:spMk id="2" creationId="{8CB2A7DE-8B4A-1CEB-2FA5-0DFB9DA059CD}"/>
+          </ac:spMkLst>
+        </pc:spChg>
+        <pc:spChg chg="del mod">
+          <ac:chgData name="brandonpeoples01@gmail.com" userId="ee6bb07c18fc021f" providerId="LiveId" clId="{62BD14F5-DF93-4196-9207-80ECF2FABE3F}" dt="2022-11-19T23:23:11.525" v="10" actId="478"/>
+          <ac:spMkLst>
+            <pc:docMk/>
+            <pc:sldMk cId="2302754723" sldId="371"/>
+            <ac:spMk id="3" creationId="{1B24F82D-6FC0-3EFC-0F20-F9642D94035E}"/>
+          </ac:spMkLst>
+        </pc:spChg>
+        <pc:spChg chg="add del mod">
+          <ac:chgData name="brandonpeoples01@gmail.com" userId="ee6bb07c18fc021f" providerId="LiveId" clId="{62BD14F5-DF93-4196-9207-80ECF2FABE3F}" dt="2022-11-19T23:23:48.725" v="16" actId="478"/>
+          <ac:spMkLst>
+            <pc:docMk/>
+            <pc:sldMk cId="2302754723" sldId="371"/>
+            <ac:spMk id="5" creationId="{6A9C864E-D841-D453-BD5B-2714A80DF90F}"/>
+          </ac:spMkLst>
+        </pc:spChg>
+        <pc:spChg chg="add mod">
+          <ac:chgData name="brandonpeoples01@gmail.com" userId="ee6bb07c18fc021f" providerId="LiveId" clId="{62BD14F5-DF93-4196-9207-80ECF2FABE3F}" dt="2022-11-19T23:32:29.710" v="271" actId="1076"/>
+          <ac:spMkLst>
+            <pc:docMk/>
+            <pc:sldMk cId="2302754723" sldId="371"/>
+            <ac:spMk id="6" creationId="{35FEAB40-C31E-03B8-F544-4060955B2B7A}"/>
+          </ac:spMkLst>
+        </pc:spChg>
+        <pc:spChg chg="add mod">
+          <ac:chgData name="brandonpeoples01@gmail.com" userId="ee6bb07c18fc021f" providerId="LiveId" clId="{62BD14F5-DF93-4196-9207-80ECF2FABE3F}" dt="2022-11-19T23:32:35.324" v="273" actId="1076"/>
+          <ac:spMkLst>
+            <pc:docMk/>
+            <pc:sldMk cId="2302754723" sldId="371"/>
+            <ac:spMk id="7" creationId="{27C63E2A-6F71-4AC0-71BB-BCB33D521473}"/>
+          </ac:spMkLst>
+        </pc:spChg>
+        <pc:spChg chg="add mod">
+          <ac:chgData name="brandonpeoples01@gmail.com" userId="ee6bb07c18fc021f" providerId="LiveId" clId="{62BD14F5-DF93-4196-9207-80ECF2FABE3F}" dt="2022-11-19T23:32:33.202" v="272" actId="1076"/>
+          <ac:spMkLst>
+            <pc:docMk/>
+            <pc:sldMk cId="2302754723" sldId="371"/>
+            <ac:spMk id="8" creationId="{74A509FE-D9C6-7940-2E26-2B90FF6FDF7E}"/>
+          </ac:spMkLst>
+        </pc:spChg>
+        <pc:spChg chg="add mod">
+          <ac:chgData name="brandonpeoples01@gmail.com" userId="ee6bb07c18fc021f" providerId="LiveId" clId="{62BD14F5-DF93-4196-9207-80ECF2FABE3F}" dt="2022-11-19T23:32:54.639" v="275" actId="1076"/>
+          <ac:spMkLst>
+            <pc:docMk/>
+            <pc:sldMk cId="2302754723" sldId="371"/>
+            <ac:spMk id="9" creationId="{577E6065-0B21-7F34-25B6-5D078C81BECE}"/>
+          </ac:spMkLst>
+        </pc:spChg>
+        <pc:spChg chg="add mod">
+          <ac:chgData name="brandonpeoples01@gmail.com" userId="ee6bb07c18fc021f" providerId="LiveId" clId="{62BD14F5-DF93-4196-9207-80ECF2FABE3F}" dt="2022-11-19T23:32:50.149" v="274" actId="1076"/>
+          <ac:spMkLst>
+            <pc:docMk/>
+            <pc:sldMk cId="2302754723" sldId="371"/>
+            <ac:spMk id="10" creationId="{4772949F-461F-9539-34D0-0C9DDDC66A53}"/>
+          </ac:spMkLst>
+        </pc:spChg>
+        <pc:spChg chg="add mod">
+          <ac:chgData name="brandonpeoples01@gmail.com" userId="ee6bb07c18fc021f" providerId="LiveId" clId="{62BD14F5-DF93-4196-9207-80ECF2FABE3F}" dt="2022-11-19T23:31:45.545" v="230" actId="1076"/>
+          <ac:spMkLst>
+            <pc:docMk/>
+            <pc:sldMk cId="2302754723" sldId="371"/>
+            <ac:spMk id="11" creationId="{6C29E35C-8D8C-7A03-0655-364EFC0B0DAF}"/>
+          </ac:spMkLst>
+        </pc:spChg>
+        <pc:spChg chg="add mod">
+          <ac:chgData name="brandonpeoples01@gmail.com" userId="ee6bb07c18fc021f" providerId="LiveId" clId="{62BD14F5-DF93-4196-9207-80ECF2FABE3F}" dt="2022-11-19T23:31:42.366" v="229" actId="1076"/>
+          <ac:spMkLst>
+            <pc:docMk/>
+            <pc:sldMk cId="2302754723" sldId="371"/>
+            <ac:spMk id="12" creationId="{17170F5F-4818-72A4-E14A-9FCFD6AEECF3}"/>
+          </ac:spMkLst>
+        </pc:spChg>
+        <pc:spChg chg="add del mod">
+          <ac:chgData name="brandonpeoples01@gmail.com" userId="ee6bb07c18fc021f" providerId="LiveId" clId="{62BD14F5-DF93-4196-9207-80ECF2FABE3F}" dt="2022-11-19T23:31:59.272" v="249" actId="478"/>
+          <ac:spMkLst>
+            <pc:docMk/>
+            <pc:sldMk cId="2302754723" sldId="371"/>
+            <ac:spMk id="13" creationId="{9DBCAB59-0717-A370-E31F-E150B7D91541}"/>
+          </ac:spMkLst>
+        </pc:spChg>
+        <pc:spChg chg="add mod">
+          <ac:chgData name="brandonpeoples01@gmail.com" userId="ee6bb07c18fc021f" providerId="LiveId" clId="{62BD14F5-DF93-4196-9207-80ECF2FABE3F}" dt="2022-11-19T23:32:25.683" v="270" actId="1076"/>
+          <ac:spMkLst>
+            <pc:docMk/>
+            <pc:sldMk cId="2302754723" sldId="371"/>
+            <ac:spMk id="14" creationId="{1ABA481B-9244-C6AB-FCF4-8D4E5BA7D522}"/>
+          </ac:spMkLst>
+        </pc:spChg>
+        <pc:spChg chg="add mod">
+          <ac:chgData name="brandonpeoples01@gmail.com" userId="ee6bb07c18fc021f" providerId="LiveId" clId="{62BD14F5-DF93-4196-9207-80ECF2FABE3F}" dt="2022-11-19T23:36:26.799" v="353" actId="1076"/>
+          <ac:spMkLst>
+            <pc:docMk/>
+            <pc:sldMk cId="2302754723" sldId="371"/>
+            <ac:spMk id="30" creationId="{20A8C0A9-5BA4-EA81-269A-5DB6614CF5FC}"/>
+          </ac:spMkLst>
+        </pc:spChg>
+        <pc:spChg chg="add del mod">
+          <ac:chgData name="brandonpeoples01@gmail.com" userId="ee6bb07c18fc021f" providerId="LiveId" clId="{62BD14F5-DF93-4196-9207-80ECF2FABE3F}" dt="2022-11-19T23:36:32.546" v="355"/>
+          <ac:spMkLst>
+            <pc:docMk/>
+            <pc:sldMk cId="2302754723" sldId="371"/>
+            <ac:spMk id="31" creationId="{A854B512-441C-E530-884A-0EE3FA1CAA7B}"/>
+          </ac:spMkLst>
+        </pc:spChg>
+        <pc:spChg chg="add mod">
+          <ac:chgData name="brandonpeoples01@gmail.com" userId="ee6bb07c18fc021f" providerId="LiveId" clId="{62BD14F5-DF93-4196-9207-80ECF2FABE3F}" dt="2022-11-19T23:36:44.795" v="363" actId="20577"/>
+          <ac:spMkLst>
+            <pc:docMk/>
+            <pc:sldMk cId="2302754723" sldId="371"/>
+            <ac:spMk id="32" creationId="{D7348853-8E7F-A6CC-7FA5-B91C51718A97}"/>
+          </ac:spMkLst>
+        </pc:spChg>
+        <pc:grpChg chg="mod">
+          <ac:chgData name="brandonpeoples01@gmail.com" userId="ee6bb07c18fc021f" providerId="LiveId" clId="{62BD14F5-DF93-4196-9207-80ECF2FABE3F}" dt="2022-11-19T23:37:46.833" v="368"/>
+          <ac:grpSpMkLst>
+            <pc:docMk/>
+            <pc:sldMk cId="2302754723" sldId="371"/>
+            <ac:grpSpMk id="35" creationId="{BD6F7540-B688-81DF-E85B-22EB2AE2C140}"/>
+          </ac:grpSpMkLst>
+        </pc:grpChg>
+        <pc:grpChg chg="mod">
+          <ac:chgData name="brandonpeoples01@gmail.com" userId="ee6bb07c18fc021f" providerId="LiveId" clId="{62BD14F5-DF93-4196-9207-80ECF2FABE3F}" dt="2022-11-19T23:38:27.110" v="376"/>
+          <ac:grpSpMkLst>
+            <pc:docMk/>
+            <pc:sldMk cId="2302754723" sldId="371"/>
+            <ac:grpSpMk id="39" creationId="{4532B286-AD48-87FD-CA5E-A3DE27A89AC0}"/>
+          </ac:grpSpMkLst>
+        </pc:grpChg>
+        <pc:grpChg chg="del mod">
+          <ac:chgData name="brandonpeoples01@gmail.com" userId="ee6bb07c18fc021f" providerId="LiveId" clId="{62BD14F5-DF93-4196-9207-80ECF2FABE3F}" dt="2022-11-19T23:39:04.991" v="383"/>
+          <ac:grpSpMkLst>
+            <pc:docMk/>
+            <pc:sldMk cId="2302754723" sldId="371"/>
+            <ac:grpSpMk id="43" creationId="{2624664B-EAAA-AA10-7D23-A525550950F9}"/>
+          </ac:grpSpMkLst>
+        </pc:grpChg>
+        <pc:grpChg chg="mod">
+          <ac:chgData name="brandonpeoples01@gmail.com" userId="ee6bb07c18fc021f" providerId="LiveId" clId="{62BD14F5-DF93-4196-9207-80ECF2FABE3F}" dt="2022-11-19T23:39:21.220" v="387"/>
+          <ac:grpSpMkLst>
+            <pc:docMk/>
+            <pc:sldMk cId="2302754723" sldId="371"/>
+            <ac:grpSpMk id="46" creationId="{13063160-C09C-9F80-9AE2-98D2C62E7061}"/>
+          </ac:grpSpMkLst>
+        </pc:grpChg>
+        <pc:inkChg chg="add">
+          <ac:chgData name="brandonpeoples01@gmail.com" userId="ee6bb07c18fc021f" providerId="LiveId" clId="{62BD14F5-DF93-4196-9207-80ECF2FABE3F}" dt="2022-11-19T23:33:03.005" v="276" actId="9405"/>
+          <ac:inkMkLst>
+            <pc:docMk/>
+            <pc:sldMk cId="2302754723" sldId="371"/>
+            <ac:inkMk id="15" creationId="{19E9BB5E-5ECD-58F8-0A6D-19DD30F1A7FF}"/>
+          </ac:inkMkLst>
+        </pc:inkChg>
+        <pc:inkChg chg="add">
+          <ac:chgData name="brandonpeoples01@gmail.com" userId="ee6bb07c18fc021f" providerId="LiveId" clId="{62BD14F5-DF93-4196-9207-80ECF2FABE3F}" dt="2022-11-19T23:33:05.640" v="277" actId="9405"/>
+          <ac:inkMkLst>
+            <pc:docMk/>
+            <pc:sldMk cId="2302754723" sldId="371"/>
+            <ac:inkMk id="16" creationId="{1789425D-3AF0-5104-8157-EF8D062EA7CE}"/>
+          </ac:inkMkLst>
+        </pc:inkChg>
+        <pc:inkChg chg="add del">
+          <ac:chgData name="brandonpeoples01@gmail.com" userId="ee6bb07c18fc021f" providerId="LiveId" clId="{62BD14F5-DF93-4196-9207-80ECF2FABE3F}" dt="2022-11-19T23:33:22.694" v="279" actId="9405"/>
+          <ac:inkMkLst>
+            <pc:docMk/>
+            <pc:sldMk cId="2302754723" sldId="371"/>
+            <ac:inkMk id="17" creationId="{E889C3DB-900F-77C6-D0D1-8B613F260BB1}"/>
+          </ac:inkMkLst>
+        </pc:inkChg>
+        <pc:inkChg chg="add del">
+          <ac:chgData name="brandonpeoples01@gmail.com" userId="ee6bb07c18fc021f" providerId="LiveId" clId="{62BD14F5-DF93-4196-9207-80ECF2FABE3F}" dt="2022-11-19T23:33:30.734" v="281" actId="9405"/>
+          <ac:inkMkLst>
+            <pc:docMk/>
+            <pc:sldMk cId="2302754723" sldId="371"/>
+            <ac:inkMk id="18" creationId="{46340E78-F1FF-0297-F308-1AA90DD572F7}"/>
+          </ac:inkMkLst>
+        </pc:inkChg>
+        <pc:inkChg chg="add">
+          <ac:chgData name="brandonpeoples01@gmail.com" userId="ee6bb07c18fc021f" providerId="LiveId" clId="{62BD14F5-DF93-4196-9207-80ECF2FABE3F}" dt="2022-11-19T23:33:37.443" v="282" actId="9405"/>
+          <ac:inkMkLst>
+            <pc:docMk/>
+            <pc:sldMk cId="2302754723" sldId="371"/>
+            <ac:inkMk id="19" creationId="{9FCE8305-7430-0AEC-0977-6302164ADA48}"/>
+          </ac:inkMkLst>
+        </pc:inkChg>
+        <pc:inkChg chg="add">
+          <ac:chgData name="brandonpeoples01@gmail.com" userId="ee6bb07c18fc021f" providerId="LiveId" clId="{62BD14F5-DF93-4196-9207-80ECF2FABE3F}" dt="2022-11-19T23:33:52.147" v="283" actId="9405"/>
+          <ac:inkMkLst>
+            <pc:docMk/>
+            <pc:sldMk cId="2302754723" sldId="371"/>
+            <ac:inkMk id="20" creationId="{7B118987-7D31-7FE6-B9A8-ECD038D29A3F}"/>
+          </ac:inkMkLst>
+        </pc:inkChg>
+        <pc:inkChg chg="add del">
+          <ac:chgData name="brandonpeoples01@gmail.com" userId="ee6bb07c18fc021f" providerId="LiveId" clId="{62BD14F5-DF93-4196-9207-80ECF2FABE3F}" dt="2022-11-19T23:33:57.914" v="285" actId="9405"/>
+          <ac:inkMkLst>
+            <pc:docMk/>
+            <pc:sldMk cId="2302754723" sldId="371"/>
+            <ac:inkMk id="21" creationId="{8487E944-CE78-C00F-372A-43B38CAEFFC1}"/>
+          </ac:inkMkLst>
+        </pc:inkChg>
+        <pc:inkChg chg="add">
+          <ac:chgData name="brandonpeoples01@gmail.com" userId="ee6bb07c18fc021f" providerId="LiveId" clId="{62BD14F5-DF93-4196-9207-80ECF2FABE3F}" dt="2022-11-19T23:34:04.581" v="286" actId="9405"/>
+          <ac:inkMkLst>
+            <pc:docMk/>
+            <pc:sldMk cId="2302754723" sldId="371"/>
+            <ac:inkMk id="22" creationId="{003C6E71-6D73-45F9-D7AA-26EE57083C8A}"/>
+          </ac:inkMkLst>
+        </pc:inkChg>
+        <pc:inkChg chg="add">
+          <ac:chgData name="brandonpeoples01@gmail.com" userId="ee6bb07c18fc021f" providerId="LiveId" clId="{62BD14F5-DF93-4196-9207-80ECF2FABE3F}" dt="2022-11-19T23:34:16.494" v="287" actId="9405"/>
+          <ac:inkMkLst>
+            <pc:docMk/>
+            <pc:sldMk cId="2302754723" sldId="371"/>
+            <ac:inkMk id="23" creationId="{1DD991FF-8036-15BC-1269-556F532996B3}"/>
+          </ac:inkMkLst>
+        </pc:inkChg>
+        <pc:inkChg chg="add">
+          <ac:chgData name="brandonpeoples01@gmail.com" userId="ee6bb07c18fc021f" providerId="LiveId" clId="{62BD14F5-DF93-4196-9207-80ECF2FABE3F}" dt="2022-11-19T23:34:29.664" v="288" actId="9405"/>
+          <ac:inkMkLst>
+            <pc:docMk/>
+            <pc:sldMk cId="2302754723" sldId="371"/>
+            <ac:inkMk id="24" creationId="{9832EF9C-7E39-B1EF-F968-62D457A70754}"/>
+          </ac:inkMkLst>
+        </pc:inkChg>
+        <pc:inkChg chg="add del">
+          <ac:chgData name="brandonpeoples01@gmail.com" userId="ee6bb07c18fc021f" providerId="LiveId" clId="{62BD14F5-DF93-4196-9207-80ECF2FABE3F}" dt="2022-11-19T23:34:45.123" v="290" actId="9405"/>
+          <ac:inkMkLst>
+            <pc:docMk/>
+            <pc:sldMk cId="2302754723" sldId="371"/>
+            <ac:inkMk id="25" creationId="{80E98D38-108B-561F-611E-44B359DD93D9}"/>
+          </ac:inkMkLst>
+        </pc:inkChg>
+        <pc:inkChg chg="add del">
+          <ac:chgData name="brandonpeoples01@gmail.com" userId="ee6bb07c18fc021f" providerId="LiveId" clId="{62BD14F5-DF93-4196-9207-80ECF2FABE3F}" dt="2022-11-19T23:34:54.072" v="292" actId="9405"/>
+          <ac:inkMkLst>
+            <pc:docMk/>
+            <pc:sldMk cId="2302754723" sldId="371"/>
+            <ac:inkMk id="26" creationId="{4AAE7FFC-A092-9838-DAD3-36A0CFA88EE2}"/>
+          </ac:inkMkLst>
+        </pc:inkChg>
+        <pc:inkChg chg="add">
+          <ac:chgData name="brandonpeoples01@gmail.com" userId="ee6bb07c18fc021f" providerId="LiveId" clId="{62BD14F5-DF93-4196-9207-80ECF2FABE3F}" dt="2022-11-19T23:34:59.045" v="293" actId="9405"/>
+          <ac:inkMkLst>
+            <pc:docMk/>
+            <pc:sldMk cId="2302754723" sldId="371"/>
+            <ac:inkMk id="27" creationId="{8FAF7CEB-5D8A-13BE-877A-688B2CB098D2}"/>
+          </ac:inkMkLst>
+        </pc:inkChg>
+        <pc:inkChg chg="add">
+          <ac:chgData name="brandonpeoples01@gmail.com" userId="ee6bb07c18fc021f" providerId="LiveId" clId="{62BD14F5-DF93-4196-9207-80ECF2FABE3F}" dt="2022-11-19T23:35:10.209" v="294" actId="9405"/>
+          <ac:inkMkLst>
+            <pc:docMk/>
+            <pc:sldMk cId="2302754723" sldId="371"/>
+            <ac:inkMk id="28" creationId="{EC3BD5CE-C72C-3668-C2A2-86750198AC9D}"/>
+          </ac:inkMkLst>
+        </pc:inkChg>
+        <pc:inkChg chg="add">
+          <ac:chgData name="brandonpeoples01@gmail.com" userId="ee6bb07c18fc021f" providerId="LiveId" clId="{62BD14F5-DF93-4196-9207-80ECF2FABE3F}" dt="2022-11-19T23:35:13.043" v="295" actId="9405"/>
+          <ac:inkMkLst>
+            <pc:docMk/>
+            <pc:sldMk cId="2302754723" sldId="371"/>
+            <ac:inkMk id="29" creationId="{9D1AAF19-C1E6-2311-8E64-E569A0ECE630}"/>
+          </ac:inkMkLst>
+        </pc:inkChg>
+        <pc:inkChg chg="add del mod">
+          <ac:chgData name="brandonpeoples01@gmail.com" userId="ee6bb07c18fc021f" providerId="LiveId" clId="{62BD14F5-DF93-4196-9207-80ECF2FABE3F}" dt="2022-11-19T23:37:48.809" v="369" actId="9405"/>
+          <ac:inkMkLst>
+            <pc:docMk/>
+            <pc:sldMk cId="2302754723" sldId="371"/>
+            <ac:inkMk id="33" creationId="{5E0C9B9A-F66F-6532-B67B-36DF0C509530}"/>
+          </ac:inkMkLst>
+        </pc:inkChg>
+        <pc:inkChg chg="add del mod">
+          <ac:chgData name="brandonpeoples01@gmail.com" userId="ee6bb07c18fc021f" providerId="LiveId" clId="{62BD14F5-DF93-4196-9207-80ECF2FABE3F}" dt="2022-11-19T23:37:46.833" v="368"/>
+          <ac:inkMkLst>
+            <pc:docMk/>
+            <pc:sldMk cId="2302754723" sldId="371"/>
+            <ac:inkMk id="34" creationId="{5C7D469F-6124-C8C0-ACFD-14A7906D0912}"/>
+          </ac:inkMkLst>
+        </pc:inkChg>
+        <pc:inkChg chg="add del">
+          <ac:chgData name="brandonpeoples01@gmail.com" userId="ee6bb07c18fc021f" providerId="LiveId" clId="{62BD14F5-DF93-4196-9207-80ECF2FABE3F}" dt="2022-11-19T23:38:06.076" v="371" actId="9405"/>
+          <ac:inkMkLst>
+            <pc:docMk/>
+            <pc:sldMk cId="2302754723" sldId="371"/>
+            <ac:inkMk id="36" creationId="{4E53F92A-74CD-9473-8EB1-ACEFCC6FADA0}"/>
+          </ac:inkMkLst>
+        </pc:inkChg>
+        <pc:inkChg chg="add del mod">
+          <ac:chgData name="brandonpeoples01@gmail.com" userId="ee6bb07c18fc021f" providerId="LiveId" clId="{62BD14F5-DF93-4196-9207-80ECF2FABE3F}" dt="2022-11-19T23:38:28.139" v="377" actId="9405"/>
+          <ac:inkMkLst>
+            <pc:docMk/>
+            <pc:sldMk cId="2302754723" sldId="371"/>
+            <ac:inkMk id="37" creationId="{413AC8FB-D31B-68EB-FEF3-6DA391D63962}"/>
+          </ac:inkMkLst>
+        </pc:inkChg>
+        <pc:inkChg chg="add del mod">
+          <ac:chgData name="brandonpeoples01@gmail.com" userId="ee6bb07c18fc021f" providerId="LiveId" clId="{62BD14F5-DF93-4196-9207-80ECF2FABE3F}" dt="2022-11-19T23:38:27.110" v="376"/>
+          <ac:inkMkLst>
+            <pc:docMk/>
+            <pc:sldMk cId="2302754723" sldId="371"/>
+            <ac:inkMk id="38" creationId="{6CC452DD-58DC-318D-CC9F-AB441687ECEF}"/>
+          </ac:inkMkLst>
+        </pc:inkChg>
+        <pc:inkChg chg="add del">
+          <ac:chgData name="brandonpeoples01@gmail.com" userId="ee6bb07c18fc021f" providerId="LiveId" clId="{62BD14F5-DF93-4196-9207-80ECF2FABE3F}" dt="2022-11-19T23:38:44.013" v="379" actId="9405"/>
+          <ac:inkMkLst>
+            <pc:docMk/>
+            <pc:sldMk cId="2302754723" sldId="371"/>
+            <ac:inkMk id="40" creationId="{E577DB33-EB22-8E80-2996-0D1B62FCED63}"/>
+          </ac:inkMkLst>
+        </pc:inkChg>
+        <pc:inkChg chg="add del mod">
+          <ac:chgData name="brandonpeoples01@gmail.com" userId="ee6bb07c18fc021f" providerId="LiveId" clId="{62BD14F5-DF93-4196-9207-80ECF2FABE3F}" dt="2022-11-19T23:39:04.991" v="383"/>
+          <ac:inkMkLst>
+            <pc:docMk/>
+            <pc:sldMk cId="2302754723" sldId="371"/>
+            <ac:inkMk id="41" creationId="{3BAFD85D-A34A-71D2-C992-AD124482ADE2}"/>
+          </ac:inkMkLst>
+        </pc:inkChg>
+        <pc:inkChg chg="add del mod">
+          <ac:chgData name="brandonpeoples01@gmail.com" userId="ee6bb07c18fc021f" providerId="LiveId" clId="{62BD14F5-DF93-4196-9207-80ECF2FABE3F}" dt="2022-11-19T23:39:07.004" v="384"/>
+          <ac:inkMkLst>
+            <pc:docMk/>
+            <pc:sldMk cId="2302754723" sldId="371"/>
+            <ac:inkMk id="42" creationId="{E02FB1ED-1AA3-5BDB-E01A-B2ABE8037AA6}"/>
+          </ac:inkMkLst>
+        </pc:inkChg>
+        <pc:inkChg chg="add mod">
+          <ac:chgData name="brandonpeoples01@gmail.com" userId="ee6bb07c18fc021f" providerId="LiveId" clId="{62BD14F5-DF93-4196-9207-80ECF2FABE3F}" dt="2022-11-19T23:39:21.220" v="387"/>
+          <ac:inkMkLst>
+            <pc:docMk/>
+            <pc:sldMk cId="2302754723" sldId="371"/>
+            <ac:inkMk id="44" creationId="{38E62451-E192-663A-9E2F-741D5D001D62}"/>
+          </ac:inkMkLst>
+        </pc:inkChg>
+        <pc:inkChg chg="add mod">
+          <ac:chgData name="brandonpeoples01@gmail.com" userId="ee6bb07c18fc021f" providerId="LiveId" clId="{62BD14F5-DF93-4196-9207-80ECF2FABE3F}" dt="2022-11-19T23:39:21.220" v="387"/>
+          <ac:inkMkLst>
+            <pc:docMk/>
+            <pc:sldMk cId="2302754723" sldId="371"/>
+            <ac:inkMk id="45" creationId="{E7807C4F-539E-C9E2-2E8B-29D17FE14C01}"/>
+          </ac:inkMkLst>
+        </pc:inkChg>
+      </pc:sldChg>
+    </pc:docChg>
+  </pc:docChgLst>
+</pc:chgInfo>
+</file>
+
 <file path=ppt/handoutMasters/handoutMaster1.xml><?xml version="1.0" encoding="utf-8"?>
 <p:handoutMaster xmlns:a="http://schemas.openxmlformats.org/drawingml/2006/main" xmlns:r="http://schemas.openxmlformats.org/officeDocument/2006/relationships" xmlns:p="http://schemas.openxmlformats.org/presentationml/2006/main">
   <p:cSld>
@@ -218,7 +639,7 @@
           <a:p>
             <a:fld id="{59041DB8-B66F-4DC8-A96E-33677E0F90FF}" type="datetimeFigureOut">
               <a:rPr lang="en-US" smtClean="0"/>
-              <a:t>10/27/2022</a:t>
+              <a:t>11/19/2022</a:t>
             </a:fld>
             <a:endParaRPr lang="en-US"/>
           </a:p>
@@ -517,6 +938,87 @@
 </inkml:ink>
 </file>
 
+<file path=ppt/ink/ink17.xml><?xml version="1.0" encoding="utf-8"?>
+<inkml:ink xmlns:inkml="http://www.w3.org/2003/InkML">
+  <inkml:definitions>
+    <inkml:context xml:id="ctx0">
+      <inkml:inkSource xml:id="inkSrc0">
+        <inkml:traceFormat>
+          <inkml:channel name="X" type="integer" min="-2.14748E9" max="2.14748E9" units="cm"/>
+          <inkml:channel name="Y" type="integer" min="-2.14748E9" max="2.14748E9" units="cm"/>
+          <inkml:channel name="F" type="integer" max="32767" units="dev"/>
+        </inkml:traceFormat>
+        <inkml:channelProperties>
+          <inkml:channelProperty channel="X" name="resolution" value="1000" units="1/cm"/>
+          <inkml:channelProperty channel="Y" name="resolution" value="1000" units="1/cm"/>
+          <inkml:channelProperty channel="F" name="resolution" value="0" units="1/dev"/>
+        </inkml:channelProperties>
+      </inkml:inkSource>
+      <inkml:timestamp xml:id="ts0" timeString="2022-11-19T23:33:03.003"/>
+    </inkml:context>
+    <inkml:brush xml:id="br0">
+      <inkml:brushProperty name="width" value="0.05" units="cm"/>
+      <inkml:brushProperty name="height" value="0.05" units="cm"/>
+    </inkml:brush>
+  </inkml:definitions>
+  <inkml:trace contextRef="#ctx0" brushRef="#br0">0 0 24575,'0'7'0,"0"9"0,0 8 0,0 8 0,0 5 0,0 9 0,0 5 0,0-1 0,0-1 0,0-2 0,0-2 0,0 5 0,0 0 0,0-1 0,0-2 0,0-2 0,0-9-8191</inkml:trace>
+</inkml:ink>
+</file>
+
+<file path=ppt/ink/ink18.xml><?xml version="1.0" encoding="utf-8"?>
+<inkml:ink xmlns:inkml="http://www.w3.org/2003/InkML">
+  <inkml:definitions>
+    <inkml:context xml:id="ctx0">
+      <inkml:inkSource xml:id="inkSrc0">
+        <inkml:traceFormat>
+          <inkml:channel name="X" type="integer" min="-2.14748E9" max="2.14748E9" units="cm"/>
+          <inkml:channel name="Y" type="integer" min="-2.14748E9" max="2.14748E9" units="cm"/>
+          <inkml:channel name="F" type="integer" max="32767" units="dev"/>
+        </inkml:traceFormat>
+        <inkml:channelProperties>
+          <inkml:channelProperty channel="X" name="resolution" value="1000" units="1/cm"/>
+          <inkml:channelProperty channel="Y" name="resolution" value="1000" units="1/cm"/>
+          <inkml:channelProperty channel="F" name="resolution" value="0" units="1/dev"/>
+        </inkml:channelProperties>
+      </inkml:inkSource>
+      <inkml:timestamp xml:id="ts0" timeString="2022-11-19T23:33:05.639"/>
+    </inkml:context>
+    <inkml:brush xml:id="br0">
+      <inkml:brushProperty name="width" value="0.05" units="cm"/>
+      <inkml:brushProperty name="height" value="0.05" units="cm"/>
+    </inkml:brush>
+  </inkml:definitions>
+  <inkml:trace contextRef="#ctx0" brushRef="#br0">0 1 24575,'0'6'0,"0"11"0,0 8 0,0 6 0,0 6 0,0 10 0,0 3 0,0 1 0,0-2 0,0-2 0,0-3 0,0 6 0,0 0 0,0-7-8191</inkml:trace>
+</inkml:ink>
+</file>
+
+<file path=ppt/ink/ink19.xml><?xml version="1.0" encoding="utf-8"?>
+<inkml:ink xmlns:inkml="http://www.w3.org/2003/InkML">
+  <inkml:definitions>
+    <inkml:context xml:id="ctx0">
+      <inkml:inkSource xml:id="inkSrc0">
+        <inkml:traceFormat>
+          <inkml:channel name="X" type="integer" min="-2.14748E9" max="2.14748E9" units="cm"/>
+          <inkml:channel name="Y" type="integer" min="-2.14748E9" max="2.14748E9" units="cm"/>
+          <inkml:channel name="F" type="integer" max="32767" units="dev"/>
+        </inkml:traceFormat>
+        <inkml:channelProperties>
+          <inkml:channelProperty channel="X" name="resolution" value="1000" units="1/cm"/>
+          <inkml:channelProperty channel="Y" name="resolution" value="1000" units="1/cm"/>
+          <inkml:channelProperty channel="F" name="resolution" value="0" units="1/dev"/>
+        </inkml:channelProperties>
+      </inkml:inkSource>
+      <inkml:timestamp xml:id="ts0" timeString="2022-11-19T23:33:37.441"/>
+    </inkml:context>
+    <inkml:brush xml:id="br0">
+      <inkml:brushProperty name="width" value="0.05" units="cm"/>
+      <inkml:brushProperty name="height" value="0.05" units="cm"/>
+    </inkml:brush>
+  </inkml:definitions>
+  <inkml:trace contextRef="#ctx0" brushRef="#br0">3191 1 24575,'-3021'0'0,"3013"0"0,0 0 0,-1 0 0,1 1 0,0 0 0,0 0 0,0 1 0,0 0 0,-9 4 0,14-4 0,-1 0 0,1 0 0,0 0 0,1 1 0,-1-1 0,0 0 0,1 1 0,-1 0 0,1 0 0,0 0 0,0 0 0,0 0 0,0 0 0,0 0 0,1 1 0,-1-1 0,1 1 0,0-1 0,0 1 0,0-1 0,0 6 0,-3 37 0,2 0 0,7 87 0,0-34 0,-3-71 0,2-1 0,1 1 0,1-1 0,19 52 0,-15-51 0,-1 2 0,-1-1 0,6 58 0,-13 128 0,-3-134 0,10 105 0,25 123 0,-26-263 0,25 85 0,-20-93 0,-2 1 0,-2 0 0,4 48 0,-8 66 0,7 81 0,16 231 0,-28 0 0,-1-166 0,2 934 0,-1-1217 0,1-1 0,-2 0 0,0 1 0,-1-1 0,-1 0 0,0 0 0,0-1 0,-2 1 0,0-1 0,-1 0 0,-11 18 0,7-13 0,-52 95 0,56-99 0,1 1 0,1-1 0,1 1 0,0 0 0,1 0 0,-2 18 0,6 219 0,3-104 0,-4-83 0,2 3 0,-4 0 0,-14 96 0,4-71 0,9-66 0,0 0 0,-2-1 0,0 1 0,-17 44 0,7-36 0,2 1 0,-12 52 0,22-75 0,0 0 0,1 1 0,1-1 0,0 0 0,1 1 0,1-1 0,0 1 0,1-1 0,6 24 0,-6-34 0,0 1 0,0-1 0,1 0 0,-1 1 0,1-1 0,0 0 0,0-1 0,1 1 0,-1 0 0,1-1 0,-1 0 0,1 0 0,0 0 0,1 0 0,-1-1 0,0 0 0,1 1 0,-1-2 0,1 1 0,0 0 0,-1-1 0,11 2 0,8 0 0,0 0 0,1-2 0,33-1 0,-49 0 0,850-9 0,-846 8 0,-1 0 0,0-1 0,1-1 0,-1 0 0,0 0 0,0-1 0,-1-1 0,20-10 0,-15 7 0,0 1 0,1 1 0,25-8 0,114-13 0,-102 19 0,0 2 0,69 1 0,-12 0 0,-75 1 0,46-11 0,-48 8 0,50-5 0,105 12 0,22-2 0,-186-1 0,40-11 0,-41 8 0,40-6 0,-33 9 0,0-2 0,0-1 0,0-1 0,-1-2 0,41-18 0,-37 14 0,1 2 0,0 0 0,1 3 0,68-9 0,144 9 0,-213 6 0,-1-1 0,52-11 0,16-2 0,39-5 0,-83 10 0,63-2 0,-98 12 24,-1 1 0,1 1 0,0 1 0,27 6 0,-39-6-159,0 1 0,0 0 0,0 0 0,0 2 0,-1-1 0,0 1 0,0 0 0,0 1 0,0 0 0,14 14 0,-7-2-6691</inkml:trace>
+</inkml:ink>
+</file>
+
 <file path=ppt/ink/ink2.xml><?xml version="1.0" encoding="utf-8"?>
 <inkml:ink xmlns:inkml="http://www.w3.org/2003/InkML">
   <inkml:definitions>
@@ -541,6 +1043,249 @@
     </inkml:brush>
   </inkml:definitions>
   <inkml:trace contextRef="#ctx0" brushRef="#br0">1 3328 24575,'0'-3297'-1365,"0"3267"-5461</inkml:trace>
+</inkml:ink>
+</file>
+
+<file path=ppt/ink/ink20.xml><?xml version="1.0" encoding="utf-8"?>
+<inkml:ink xmlns:inkml="http://www.w3.org/2003/InkML">
+  <inkml:definitions>
+    <inkml:context xml:id="ctx0">
+      <inkml:inkSource xml:id="inkSrc0">
+        <inkml:traceFormat>
+          <inkml:channel name="X" type="integer" min="-2.14748E9" max="2.14748E9" units="cm"/>
+          <inkml:channel name="Y" type="integer" min="-2.14748E9" max="2.14748E9" units="cm"/>
+          <inkml:channel name="F" type="integer" max="32767" units="dev"/>
+        </inkml:traceFormat>
+        <inkml:channelProperties>
+          <inkml:channelProperty channel="X" name="resolution" value="1000" units="1/cm"/>
+          <inkml:channelProperty channel="Y" name="resolution" value="1000" units="1/cm"/>
+          <inkml:channelProperty channel="F" name="resolution" value="0" units="1/dev"/>
+        </inkml:channelProperties>
+      </inkml:inkSource>
+      <inkml:timestamp xml:id="ts0" timeString="2022-11-19T23:33:52.145"/>
+    </inkml:context>
+    <inkml:brush xml:id="br0">
+      <inkml:brushProperty name="width" value="0.05" units="cm"/>
+      <inkml:brushProperty name="height" value="0.05" units="cm"/>
+    </inkml:brush>
+  </inkml:definitions>
+  <inkml:trace contextRef="#ctx0" brushRef="#br0">0 1 24575,'0'1035'-1365,"0"-1050"-5461</inkml:trace>
+</inkml:ink>
+</file>
+
+<file path=ppt/ink/ink21.xml><?xml version="1.0" encoding="utf-8"?>
+<inkml:ink xmlns:inkml="http://www.w3.org/2003/InkML">
+  <inkml:definitions>
+    <inkml:context xml:id="ctx0">
+      <inkml:inkSource xml:id="inkSrc0">
+        <inkml:traceFormat>
+          <inkml:channel name="X" type="integer" min="-2.14748E9" max="2.14748E9" units="cm"/>
+          <inkml:channel name="Y" type="integer" min="-2.14748E9" max="2.14748E9" units="cm"/>
+          <inkml:channel name="F" type="integer" max="32767" units="dev"/>
+        </inkml:traceFormat>
+        <inkml:channelProperties>
+          <inkml:channelProperty channel="X" name="resolution" value="1000" units="1/cm"/>
+          <inkml:channelProperty channel="Y" name="resolution" value="1000" units="1/cm"/>
+          <inkml:channelProperty channel="F" name="resolution" value="0" units="1/dev"/>
+        </inkml:channelProperties>
+      </inkml:inkSource>
+      <inkml:timestamp xml:id="ts0" timeString="2022-11-19T23:34:04.580"/>
+    </inkml:context>
+    <inkml:brush xml:id="br0">
+      <inkml:brushProperty name="width" value="0.05" units="cm"/>
+      <inkml:brushProperty name="height" value="0.05" units="cm"/>
+    </inkml:brush>
+  </inkml:definitions>
+  <inkml:trace contextRef="#ctx0" brushRef="#br0">0 0 24575,'0'728'-1365,"0"-693"-5461</inkml:trace>
+</inkml:ink>
+</file>
+
+<file path=ppt/ink/ink22.xml><?xml version="1.0" encoding="utf-8"?>
+<inkml:ink xmlns:inkml="http://www.w3.org/2003/InkML">
+  <inkml:definitions>
+    <inkml:context xml:id="ctx0">
+      <inkml:inkSource xml:id="inkSrc0">
+        <inkml:traceFormat>
+          <inkml:channel name="X" type="integer" min="-2.14748E9" max="2.14748E9" units="cm"/>
+          <inkml:channel name="Y" type="integer" min="-2.14748E9" max="2.14748E9" units="cm"/>
+          <inkml:channel name="F" type="integer" max="32767" units="dev"/>
+        </inkml:traceFormat>
+        <inkml:channelProperties>
+          <inkml:channelProperty channel="X" name="resolution" value="1000" units="1/cm"/>
+          <inkml:channelProperty channel="Y" name="resolution" value="1000" units="1/cm"/>
+          <inkml:channelProperty channel="F" name="resolution" value="0" units="1/dev"/>
+        </inkml:channelProperties>
+      </inkml:inkSource>
+      <inkml:timestamp xml:id="ts0" timeString="2022-11-19T23:34:16.491"/>
+    </inkml:context>
+    <inkml:brush xml:id="br0">
+      <inkml:brushProperty name="width" value="0.05" units="cm"/>
+      <inkml:brushProperty name="height" value="0.05" units="cm"/>
+    </inkml:brush>
+  </inkml:definitions>
+  <inkml:trace contextRef="#ctx0" brushRef="#br0">0 4650 24575,'1543'0'0,"-1487"-3"0,110-20 0,-72 7 0,-69 11 0,0-1 0,0-1 0,29-14 0,-33 12 0,-1 2 0,2 0 0,-1 1 0,1 1 0,24-3 0,29 7 0,-50 1 0,1-1 0,-1 0 0,49-11 0,-47 6 0,42-3 0,11-3 0,-69 9 0,-1 0 0,0-1 0,0-1 0,19-10 0,-18 8 0,1 1 0,0 0 0,15-5 0,10 3 0,1 2 0,0 1 0,0 1 0,0 3 0,49 4 0,-42-2 0,1-1 0,0-2 0,53-9 0,-47 3 0,-37 6 0,1 0 0,-1-1 0,0 0 0,0-1 0,15-7 0,-27 9 0,1 0 0,0-1 0,-1 0 0,0 0 0,0 0 0,1 0 0,-2 0 0,1 0 0,0-1 0,-1 0 0,1 1 0,-1-1 0,0 0 0,0 0 0,-1 0 0,1 0 0,-1 0 0,0-1 0,0 1 0,0-7 0,1-10 0,0-1 0,-4-41 0,1 35 0,-1-16 0,-6-106 0,6 128 0,-2 0 0,-1 0 0,0 1 0,-15-37 0,12 39 0,0 0 0,2-1 0,0 0 0,1 0 0,1 0 0,-1-30 0,0 14 0,0 1 0,-3-1 0,-1 1 0,-1 1 0,-3-1 0,-30-62 0,24 39 0,16 47 0,0 1 0,0-1 0,-1 1 0,-8-16 0,3 12 0,0-2 0,1 1 0,1-1 0,0 0 0,1 0 0,-6-30 0,-9-93 0,-6-281 0,25 381 0,-1 1 0,-10-41 0,-3-42 0,13-11 0,3 76 0,-2 0 0,-14-78 0,5 68 0,-3-108 0,13-70 0,2 134 0,1-288 0,-4 374 0,0-1 0,-2 0 0,-9-34 0,6 30 0,-6-55 0,11-93 0,4 122 0,-3 0 0,-15-109 0,15 157 0,-1-6 0,-1 0 0,0 0 0,-1 0 0,-10-22 0,12 31 0,-1 0 0,0 0 0,1 1 0,-1-1 0,-1 1 0,1-1 0,0 1 0,-1 0 0,0 0 0,0 1 0,0-1 0,0 1 0,0 0 0,0 0 0,0 0 0,-1 0 0,-5-1 0,-11-1 0,0 0 0,0 1 0,-1 1 0,1 1 0,-35 3 0,9 2 0,-67 16 0,18 6 0,58-14 0,-57 10 0,-14-2 0,-48 5 0,122-20 0,-44 11 0,48-9 0,-65 7 0,-334-11 0,215-6 0,178 3 0,0 1 0,1 2 0,-46 9 0,56-7 0,14-3 0,0 1 0,0 0 0,0 1 0,1 0 0,-21 10 0,16-4 0,-1 0 0,0-1 0,0-1 0,-1-1 0,0 0 0,0-1 0,0-2 0,-34 6 0,-260-7 0,156-6 0,111 3-1365,2 0-5461</inkml:trace>
+</inkml:ink>
+</file>
+
+<file path=ppt/ink/ink23.xml><?xml version="1.0" encoding="utf-8"?>
+<inkml:ink xmlns:inkml="http://www.w3.org/2003/InkML">
+  <inkml:definitions>
+    <inkml:context xml:id="ctx0">
+      <inkml:inkSource xml:id="inkSrc0">
+        <inkml:traceFormat>
+          <inkml:channel name="X" type="integer" min="-2.14748E9" max="2.14748E9" units="cm"/>
+          <inkml:channel name="Y" type="integer" min="-2.14748E9" max="2.14748E9" units="cm"/>
+          <inkml:channel name="F" type="integer" max="32767" units="dev"/>
+        </inkml:traceFormat>
+        <inkml:channelProperties>
+          <inkml:channelProperty channel="X" name="resolution" value="1000" units="1/cm"/>
+          <inkml:channelProperty channel="Y" name="resolution" value="1000" units="1/cm"/>
+          <inkml:channelProperty channel="F" name="resolution" value="0" units="1/dev"/>
+        </inkml:channelProperties>
+      </inkml:inkSource>
+      <inkml:timestamp xml:id="ts0" timeString="2022-11-19T23:34:29.661"/>
+    </inkml:context>
+    <inkml:brush xml:id="br0">
+      <inkml:brushProperty name="width" value="0.05" units="cm"/>
+      <inkml:brushProperty name="height" value="0.05" units="cm"/>
+    </inkml:brush>
+  </inkml:definitions>
+  <inkml:trace contextRef="#ctx0" brushRef="#br0">436 0 24575,'-20'23'0,"-14"11"0,-53 50 0,52-55 0,0 2 0,-37 44 0,64-66 0,0 0 0,0 1 0,1 0 0,0 0 0,0 1 0,1 0 0,1 0 0,0 1 0,0-1 0,-4 22 0,-38 242 0,34-221 0,8-40 0,1 1 0,1-1 0,1 0 0,-2 26 0,4-37 0,0 1 0,1-1 0,-1 1 0,1-1 0,0 1 0,0-1 0,0 0 0,0 1 0,0-1 0,1 0 0,-1 0 0,1 0 0,0 0 0,0 0 0,0 0 0,0 0 0,1-1 0,-1 1 0,1-1 0,0 1 0,0-1 0,-1 0 0,1 0 0,4 1 0,4 2 0,-1-1 0,1 0 0,13 2 0,23 9 0,28 26 0,-61-32 0,0-1 0,1 0 0,0-1 0,0 0 0,0-1 0,1-1 0,17 4 0,-2-4 0,-1 2 0,-1 1 0,1 1 0,36 17 0,-47-18 0,1-2 0,31 7 0,-39-11 0,0 0 0,0 0 0,-1 2 0,1-1 0,-1 2 0,0-1 0,0 2 0,-1-1 0,1 1 0,-1 1 0,11 9 0,26 27-136,3-3 0,62 40 0,-73-53-821,-17-12-5869</inkml:trace>
+</inkml:ink>
+</file>
+
+<file path=ppt/ink/ink24.xml><?xml version="1.0" encoding="utf-8"?>
+<inkml:ink xmlns:inkml="http://www.w3.org/2003/InkML">
+  <inkml:definitions>
+    <inkml:context xml:id="ctx0">
+      <inkml:inkSource xml:id="inkSrc0">
+        <inkml:traceFormat>
+          <inkml:channel name="X" type="integer" min="-2.14748E9" max="2.14748E9" units="cm"/>
+          <inkml:channel name="Y" type="integer" min="-2.14748E9" max="2.14748E9" units="cm"/>
+          <inkml:channel name="F" type="integer" max="32767" units="dev"/>
+        </inkml:traceFormat>
+        <inkml:channelProperties>
+          <inkml:channelProperty channel="X" name="resolution" value="1000" units="1/cm"/>
+          <inkml:channelProperty channel="Y" name="resolution" value="1000" units="1/cm"/>
+          <inkml:channelProperty channel="F" name="resolution" value="0" units="1/dev"/>
+        </inkml:channelProperties>
+      </inkml:inkSource>
+      <inkml:timestamp xml:id="ts0" timeString="2022-11-19T23:34:59.042"/>
+    </inkml:context>
+    <inkml:brush xml:id="br0">
+      <inkml:brushProperty name="width" value="0.05" units="cm"/>
+      <inkml:brushProperty name="height" value="0.05" units="cm"/>
+    </inkml:brush>
+  </inkml:definitions>
+  <inkml:trace contextRef="#ctx0" brushRef="#br0">177 1 24575,'0'18'0,"0"11"0,1-1 0,5 33 0,-5-51 0,2-1 0,-1 1 0,1-1 0,1 0 0,-1 0 0,2 0 0,-1-1 0,1 1 0,0-1 0,8 8 0,-1-3 0,1 0 0,1-2 0,0 0 0,0 0 0,1-1 0,0-1 0,29 13 0,29 17 0,-66-34 0,-1 0 0,0 0 0,0 1 0,0 0 0,-1 0 0,1 0 0,-2 0 0,1 1 0,-1 0 0,5 10 0,4 11 0,12 41 0,-16-41 0,-7-23 0,0 1 0,0-1 0,-1 0 0,0 1 0,0-1 0,0 1 0,-1 0 0,0-1 0,0 1 0,-1 0 0,1-1 0,-1 1 0,0-1 0,-1 1 0,1-1 0,-1 0 0,0 1 0,-3 4 0,0-2 0,0-1 0,0-1 0,-1 1 0,0-1 0,0 0 0,0 0 0,-1-1 0,0 0 0,0 0 0,0 0 0,-11 4 0,0 0 0,1 0 0,0 2 0,0 0 0,1 1 0,1 0 0,0 1 0,-16 18 0,-53 46 0,-47 85 0,43-31-1365,71-107-5461</inkml:trace>
+</inkml:ink>
+</file>
+
+<file path=ppt/ink/ink25.xml><?xml version="1.0" encoding="utf-8"?>
+<inkml:ink xmlns:inkml="http://www.w3.org/2003/InkML">
+  <inkml:definitions>
+    <inkml:context xml:id="ctx0">
+      <inkml:inkSource xml:id="inkSrc0">
+        <inkml:traceFormat>
+          <inkml:channel name="X" type="integer" min="-2.14748E9" max="2.14748E9" units="cm"/>
+          <inkml:channel name="Y" type="integer" min="-2.14748E9" max="2.14748E9" units="cm"/>
+          <inkml:channel name="F" type="integer" max="32767" units="dev"/>
+        </inkml:traceFormat>
+        <inkml:channelProperties>
+          <inkml:channelProperty channel="X" name="resolution" value="1000" units="1/cm"/>
+          <inkml:channelProperty channel="Y" name="resolution" value="1000" units="1/cm"/>
+          <inkml:channelProperty channel="F" name="resolution" value="0" units="1/dev"/>
+        </inkml:channelProperties>
+      </inkml:inkSource>
+      <inkml:timestamp xml:id="ts0" timeString="2022-11-19T23:35:10.208"/>
+    </inkml:context>
+    <inkml:brush xml:id="br0">
+      <inkml:brushProperty name="width" value="0.05" units="cm"/>
+      <inkml:brushProperty name="height" value="0.05" units="cm"/>
+    </inkml:brush>
+  </inkml:definitions>
+  <inkml:trace contextRef="#ctx0" brushRef="#br0">0 0 24575,'0'769'-1365,"0"-735"-5461</inkml:trace>
+</inkml:ink>
+</file>
+
+<file path=ppt/ink/ink26.xml><?xml version="1.0" encoding="utf-8"?>
+<inkml:ink xmlns:inkml="http://www.w3.org/2003/InkML">
+  <inkml:definitions>
+    <inkml:context xml:id="ctx0">
+      <inkml:inkSource xml:id="inkSrc0">
+        <inkml:traceFormat>
+          <inkml:channel name="X" type="integer" min="-2.14748E9" max="2.14748E9" units="cm"/>
+          <inkml:channel name="Y" type="integer" min="-2.14748E9" max="2.14748E9" units="cm"/>
+          <inkml:channel name="F" type="integer" max="32767" units="dev"/>
+        </inkml:traceFormat>
+        <inkml:channelProperties>
+          <inkml:channelProperty channel="X" name="resolution" value="1000" units="1/cm"/>
+          <inkml:channelProperty channel="Y" name="resolution" value="1000" units="1/cm"/>
+          <inkml:channelProperty channel="F" name="resolution" value="0" units="1/dev"/>
+        </inkml:channelProperties>
+      </inkml:inkSource>
+      <inkml:timestamp xml:id="ts0" timeString="2022-11-19T23:35:13.041"/>
+    </inkml:context>
+    <inkml:brush xml:id="br0">
+      <inkml:brushProperty name="width" value="0.05" units="cm"/>
+      <inkml:brushProperty name="height" value="0.05" units="cm"/>
+    </inkml:brush>
+  </inkml:definitions>
+  <inkml:trace contextRef="#ctx0" brushRef="#br0">0 0 24575,'0'7'0,"0"9"0,0 9 0,0 7 0,0 5 0,0 2 0,0 2 0,0 2 0,0-1 0,0 0 0,0-1 0,0 0 0,0-1 0,0-6-8191</inkml:trace>
+</inkml:ink>
+</file>
+
+<file path=ppt/ink/ink27.xml><?xml version="1.0" encoding="utf-8"?>
+<inkml:ink xmlns:inkml="http://www.w3.org/2003/InkML">
+  <inkml:definitions>
+    <inkml:context xml:id="ctx0">
+      <inkml:inkSource xml:id="inkSrc0">
+        <inkml:traceFormat>
+          <inkml:channel name="X" type="integer" min="-2.14748E9" max="2.14748E9" units="cm"/>
+          <inkml:channel name="Y" type="integer" min="-2.14748E9" max="2.14748E9" units="cm"/>
+          <inkml:channel name="F" type="integer" max="32767" units="dev"/>
+        </inkml:traceFormat>
+        <inkml:channelProperties>
+          <inkml:channelProperty channel="X" name="resolution" value="1000" units="1/cm"/>
+          <inkml:channelProperty channel="Y" name="resolution" value="1000" units="1/cm"/>
+          <inkml:channelProperty channel="F" name="resolution" value="0" units="1/dev"/>
+        </inkml:channelProperties>
+      </inkml:inkSource>
+      <inkml:timestamp xml:id="ts0" timeString="2022-11-19T23:39:17.627"/>
+    </inkml:context>
+    <inkml:brush xml:id="br0">
+      <inkml:brushProperty name="width" value="0.05" units="cm"/>
+      <inkml:brushProperty name="height" value="0.05" units="cm"/>
+    </inkml:brush>
+  </inkml:definitions>
+  <inkml:trace contextRef="#ctx0" brushRef="#br0">0 15533 24575,'846'0'0,"-786"2"0,91 17 0,39 3 0,-154-22 0,-1 2 0,1 1 0,-1 2 0,56 16 0,-39-5 0,8 2 0,-2 3 0,62 30 0,-49-13 0,73 35 0,-125-65 0,0-2 0,1 0 0,-1-1 0,1 0 0,40 2 0,90-8 0,-107-2 0,1 2 0,-1 2 0,86 14 0,-72-4 0,-1-3 0,1-2 0,0-2 0,112-9 0,-114-2 0,86-24 0,-89 18 0,0 2 0,60-4 0,206 13 0,-2 0 0,-280-2 0,-1-2 0,1-1 0,36-13 0,-28 7 0,52-8 0,-54 18 0,1 1 0,-1 2 0,1 3 0,68 11 0,-111-14 0,40 3 0,-1-2 0,1-1 0,-1-3 0,40-6 0,56-4 0,-91 9 0,55-11 0,21-3 0,103 15 0,-27 1 0,-162-2 0,46-10 0,14-2 0,30-5 0,-77 12 0,75-5 0,1 9 0,0 6 0,137 18 0,-37 6 0,-184-24 0,0-1 0,-1-2 0,68-12 0,-37 2 0,134-5 0,74 18 0,-100 2 0,-79 5 0,-70-5 0,1 0 0,33-2 0,513-17 0,-528 14 0,86-16 0,16-1 0,-118 19 0,-17 0 0,0-1 0,0 0 0,21-5 0,-31 5 0,1 0 0,-1-1 0,0 0 0,1 1 0,-1-2 0,0 1 0,0 0 0,-1-1 0,1 0 0,0 0 0,-1 0 0,0 0 0,0 0 0,6-8 0,-3 1 0,0-1 0,-1 0 0,0-1 0,-1 1 0,0-1 0,-1 0 0,0 0 0,-1 0 0,1-15 0,0-18 0,-3-53 0,-7 18 0,-31-146 0,9 76 0,24 118 0,-1 0 0,-2 0 0,-1 0 0,-1 1 0,-18-36 0,20 46 0,1 0 0,0 0 0,2-1 0,0 1 0,-3-38 0,-1-6 0,-5-19 0,6 29 0,-31-107 0,28 123 0,1-1 0,-6-61 0,-1-9 0,-14-40 0,-80-514 0,98 501 0,-22-460 0,30 529 0,-5 0 0,-35-157 0,4 38 0,11 34 0,-30-232 0,18 77 0,-5-95 0,46 127 0,0-4 0,-18 135 0,-1-22 0,2-13 0,0 21 0,12-101 0,-8-127 0,-37-338 0,36 513 0,-10-122 0,12-191 0,11 163 0,-2 330 0,-3 0 0,-15-59 0,-38-110 0,24 97 0,-11-108 0,34 155 0,6 32 0,2-99 0,-3-23 0,-23-160 0,30 321 0,1-13 0,-8-47 0,6 65 0,1-1 0,-2 0 0,1 1 0,-1 0 0,0-1 0,-1 1 0,1 1 0,-2-1 0,1 0 0,-7-6 0,-3-2 0,1-1 0,0 0 0,2-1 0,-1 0 0,2-1 0,0 0 0,1 0 0,-8-27 0,-2-25 0,-15-115 0,10 38 0,-41-219 0,52 258 0,2-156 0,12 192 0,2-19 0,-4 0 0,-16-106 0,-5-79 0,17 170 0,-12-45 0,-1-6 0,12-153 0,-8-113 0,-15 203 0,-6-102 0,34 303 0,-1 0 0,0 1 0,-1-1 0,-1 0 0,-10-28 0,11 41 0,1 1 0,0-1 0,-1 1 0,0-1 0,-1 1 0,1 0 0,-1 0 0,0 1 0,0-1 0,-1 1 0,1-1 0,-1 2 0,0-1 0,0 0 0,0 1 0,0 0 0,-1 0 0,1 0 0,-1 1 0,-11-3 0,-18-1 0,0 2 0,-1 2 0,0 1 0,-52 6 0,-1-1 0,-451-2 0,312-2 0,213 1 0,-1 1 0,1 0 0,-1 2 0,1 0 0,1 0 0,-1 1 0,-18 10 0,10-6 0,-43 13 0,21-14 0,0-2 0,-58 1 0,-39 3 0,-53 7 0,67-9 0,94-3 0,0 2 0,-59 19 0,60-16 0,0 0 0,-61 7 0,-265-12 0,191-7 0,-2331 2 0,2476-1 0,0-1 0,0-1 0,0-1 0,1-1 0,-1-1 0,1-1 0,-22-10 0,-4-9 0,36 18 0,0 1 0,0 1 0,-1 0 0,-16-5 0,-20-4 0,19 5 0,-1 2 0,0 0 0,-62-5 0,-324 11 0,197 5 0,176-3-1365,6 0-5461</inkml:trace>
+</inkml:ink>
+</file>
+
+<file path=ppt/ink/ink28.xml><?xml version="1.0" encoding="utf-8"?>
+<inkml:ink xmlns:inkml="http://www.w3.org/2003/InkML">
+  <inkml:definitions>
+    <inkml:context xml:id="ctx0">
+      <inkml:inkSource xml:id="inkSrc0">
+        <inkml:traceFormat>
+          <inkml:channel name="X" type="integer" min="-2.14748E9" max="2.14748E9" units="cm"/>
+          <inkml:channel name="Y" type="integer" min="-2.14748E9" max="2.14748E9" units="cm"/>
+          <inkml:channel name="F" type="integer" max="32767" units="dev"/>
+        </inkml:traceFormat>
+        <inkml:channelProperties>
+          <inkml:channelProperty channel="X" name="resolution" value="1000" units="1/cm"/>
+          <inkml:channelProperty channel="Y" name="resolution" value="1000" units="1/cm"/>
+          <inkml:channelProperty channel="F" name="resolution" value="0" units="1/dev"/>
+        </inkml:channelProperties>
+      </inkml:inkSource>
+      <inkml:timestamp xml:id="ts0" timeString="2022-11-19T23:39:20.208"/>
+    </inkml:context>
+    <inkml:brush xml:id="br0">
+      <inkml:brushProperty name="width" value="0.05" units="cm"/>
+      <inkml:brushProperty name="height" value="0.05" units="cm"/>
+    </inkml:brush>
+  </inkml:definitions>
+  <inkml:trace contextRef="#ctx0" brushRef="#br0">635 1 24575,'-1'3'0,"-1"0"0,1 0 0,0 1 0,-1-1 0,0-1 0,0 1 0,0 0 0,0 0 0,0-1 0,0 1 0,-1-1 0,1 0 0,-1 1 0,0-1 0,-3 2 0,-7 6 0,-34 34 0,1 3 0,2 1 0,-54 80 0,88-114 0,0 1 0,-1-1 0,-1-1 0,0 0 0,-21 17 0,-87 81 0,100-93 0,0 1 0,1 0 0,2 2 0,0 0 0,-16 26 0,30-42 0,1 0 0,0 0 0,0 0 0,0 1 0,1-1 0,0 0 0,0 1 0,0-1 0,0 1 0,1-1 0,0 1 0,0 0 0,1-1 0,-1 1 0,1-1 0,0 0 0,1 1 0,-1-1 0,1 0 0,0 1 0,1-1 0,-1 0 0,4 4 0,3 6 0,1-1 0,0 0 0,1 0 0,0-1 0,1-1 0,18 15 0,-17-17 0,1-1 0,0-1 0,0 0 0,25 9 0,-19-9 0,34 20 0,-48-24 0,0 1 0,0-1 0,0 1 0,0 0 0,-1 1 0,0-1 0,0 1 0,-1 0 0,5 7 0,4 7 0,0 0 0,1-1 0,1 0 0,1-2 0,1 0 0,0 0 0,1-2 0,1 0 0,0-1 0,1-1 0,26 12 0,-28-14 23,-1 1 0,0 1 0,-1 0 0,17 19 0,25 19-1503,-28-29-5346</inkml:trace>
 </inkml:ink>
 </file>
 
@@ -815,7 +1560,7 @@
           <a:p>
             <a:fld id="{DEB49C4A-65AC-492D-9701-81B46C3AD0E4}" type="datetimeFigureOut">
               <a:rPr lang="en-US" smtClean="0"/>
-              <a:t>10/27/2022</a:t>
+              <a:t>11/19/2022</a:t>
             </a:fld>
             <a:endParaRPr lang="en-US"/>
           </a:p>
@@ -3391,7 +4136,7 @@
           <a:p>
             <a:fld id="{384A29A4-78C8-47AB-BA06-22CB45938951}" type="datetime1">
               <a:rPr lang="en-US" smtClean="0"/>
-              <a:t>10/27/2022</a:t>
+              <a:t>11/19/2022</a:t>
             </a:fld>
             <a:endParaRPr lang="en-US"/>
           </a:p>
@@ -3586,7 +4331,7 @@
           <a:p>
             <a:fld id="{E1ED4ACF-2D82-46F2-A8E9-23963AA34E86}" type="datetime1">
               <a:rPr lang="en-US" smtClean="0"/>
-              <a:t>10/27/2022</a:t>
+              <a:t>11/19/2022</a:t>
             </a:fld>
             <a:endParaRPr lang="en-US"/>
           </a:p>
@@ -3780,7 +4525,7 @@
           <a:p>
             <a:fld id="{AE374B5B-21A0-4192-BF4C-38187F1A68D8}" type="datetime1">
               <a:rPr lang="en-US" smtClean="0"/>
-              <a:t>10/27/2022</a:t>
+              <a:t>11/19/2022</a:t>
             </a:fld>
             <a:endParaRPr lang="en-US"/>
           </a:p>
@@ -6121,7 +6866,7 @@
           <a:p>
             <a:fld id="{33B5CF7C-B333-48E1-A4A6-83A3C8B73AC0}" type="datetime1">
               <a:rPr lang="en-US" smtClean="0"/>
-              <a:t>10/27/2022</a:t>
+              <a:t>11/19/2022</a:t>
             </a:fld>
             <a:endParaRPr lang="en-US"/>
           </a:p>
@@ -6574,7 +7319,7 @@
           <a:p>
             <a:fld id="{AE320762-5CBF-4210-AB54-376B091119F8}" type="datetime1">
               <a:rPr lang="en-US" smtClean="0"/>
-              <a:t>10/27/2022</a:t>
+              <a:t>11/19/2022</a:t>
             </a:fld>
             <a:endParaRPr lang="en-US"/>
           </a:p>
@@ -6706,7 +7451,7 @@
           <a:p>
             <a:fld id="{7F0DB371-BF5F-4058-A212-1A908E4D2674}" type="datetime1">
               <a:rPr lang="en-US" smtClean="0"/>
-              <a:t>10/27/2022</a:t>
+              <a:t>11/19/2022</a:t>
             </a:fld>
             <a:endParaRPr lang="en-US"/>
           </a:p>
@@ -8639,7 +9384,7 @@
           <a:p>
             <a:fld id="{60A4083B-90AA-48CF-BAD5-00AA24D7F288}" type="datetime1">
               <a:rPr lang="en-US" smtClean="0"/>
-              <a:t>10/27/2022</a:t>
+              <a:t>11/19/2022</a:t>
             </a:fld>
             <a:endParaRPr lang="en-US"/>
           </a:p>
@@ -10898,7 +11643,7 @@
             <a:fld id="{F5BAF629-ECA2-4CF3-B790-9D9BDED98269}" type="datetime1">
               <a:rPr lang="en-US" smtClean="0"/>
               <a:pPr/>
-              <a:t>10/27/2022</a:t>
+              <a:t>11/19/2022</a:t>
             </a:fld>
             <a:endParaRPr lang="en-US"/>
           </a:p>
@@ -15193,7 +15938,7 @@
             <a:fld id="{B51B2453-8663-4C69-AF73-9FD7B1DEC5D0}" type="datetime1">
               <a:rPr lang="en-US" smtClean="0"/>
               <a:pPr/>
-              <a:t>10/27/2022</a:t>
+              <a:t>11/19/2022</a:t>
             </a:fld>
             <a:endParaRPr lang="en-US" dirty="0"/>
           </a:p>
@@ -16072,7 +16817,12 @@
             <p:ph type="title"/>
           </p:nvPr>
         </p:nvSpPr>
-        <p:spPr/>
+        <p:spPr>
+          <a:xfrm>
+            <a:off x="-428402" y="-656948"/>
+            <a:ext cx="10972800" cy="914401"/>
+          </a:xfrm>
+        </p:spPr>
         <p:txBody>
           <a:bodyPr/>
           <a:lstStyle/>
@@ -16152,7 +16902,7 @@
         </p:nvSpPr>
         <p:spPr>
           <a:xfrm>
-            <a:off x="2817134" y="6167269"/>
+            <a:off x="-2848916" y="4121481"/>
             <a:ext cx="5718232" cy="584775"/>
           </a:xfrm>
           <a:prstGeom prst="rect">
@@ -16292,8 +17042,8 @@
         </p:nvSpPr>
         <p:spPr>
           <a:xfrm>
-            <a:off x="8953500" y="2294417"/>
-            <a:ext cx="1409700" cy="1219200"/>
+            <a:off x="8953500" y="2209802"/>
+            <a:ext cx="1409700" cy="1338973"/>
           </a:xfrm>
           <a:prstGeom prst="rect">
             <a:avLst/>
@@ -16523,7 +17273,7 @@
         </p:nvSpPr>
         <p:spPr>
           <a:xfrm>
-            <a:off x="6400800" y="669409"/>
+            <a:off x="6244626" y="520709"/>
             <a:ext cx="1333500" cy="1099584"/>
           </a:xfrm>
           <a:prstGeom prst="rect">
@@ -18932,6 +19682,1143 @@
 </p:sld>
 </file>
 
+<file path=ppt/slides/slide6.xml><?xml version="1.0" encoding="utf-8"?>
+<p:sld xmlns:a="http://schemas.openxmlformats.org/drawingml/2006/main" xmlns:r="http://schemas.openxmlformats.org/officeDocument/2006/relationships" xmlns:p="http://schemas.openxmlformats.org/presentationml/2006/main">
+  <p:cSld>
+    <p:spTree>
+      <p:nvGrpSpPr>
+        <p:cNvPr id="1" name=""/>
+        <p:cNvGrpSpPr/>
+        <p:nvPr/>
+      </p:nvGrpSpPr>
+      <p:grpSpPr>
+        <a:xfrm>
+          <a:off x="0" y="0"/>
+          <a:ext cx="0" cy="0"/>
+          <a:chOff x="0" y="0"/>
+          <a:chExt cx="0" cy="0"/>
+        </a:xfrm>
+      </p:grpSpPr>
+      <p:sp>
+        <p:nvSpPr>
+          <p:cNvPr id="6" name="Rectangle 5">
+            <a:extLst>
+              <a:ext uri="{FF2B5EF4-FFF2-40B4-BE49-F238E27FC236}">
+                <a16:creationId xmlns:a16="http://schemas.microsoft.com/office/drawing/2014/main" id="{35FEAB40-C31E-03B8-F544-4060955B2B7A}"/>
+              </a:ext>
+            </a:extLst>
+          </p:cNvPr>
+          <p:cNvSpPr/>
+          <p:nvPr/>
+        </p:nvSpPr>
+        <p:spPr>
+          <a:xfrm>
+            <a:off x="4747459" y="367394"/>
+            <a:ext cx="2125581" cy="459921"/>
+          </a:xfrm>
+          <a:prstGeom prst="rect">
+            <a:avLst/>
+          </a:prstGeom>
+        </p:spPr>
+        <p:style>
+          <a:lnRef idx="2">
+            <a:schemeClr val="accent1">
+              <a:shade val="50000"/>
+            </a:schemeClr>
+          </a:lnRef>
+          <a:fillRef idx="1">
+            <a:schemeClr val="accent1"/>
+          </a:fillRef>
+          <a:effectRef idx="0">
+            <a:schemeClr val="accent1"/>
+          </a:effectRef>
+          <a:fontRef idx="minor">
+            <a:schemeClr val="lt1"/>
+          </a:fontRef>
+        </p:style>
+        <p:txBody>
+          <a:bodyPr rtlCol="0" anchor="ctr"/>
+          <a:lstStyle/>
+          <a:p>
+            <a:pPr algn="ctr"/>
+            <a:r>
+              <a:rPr lang="en-US" dirty="0"/>
+              <a:t>Wait For Start </a:t>
+            </a:r>
+          </a:p>
+        </p:txBody>
+      </p:sp>
+      <p:sp>
+        <p:nvSpPr>
+          <p:cNvPr id="7" name="Rectangle 6">
+            <a:extLst>
+              <a:ext uri="{FF2B5EF4-FFF2-40B4-BE49-F238E27FC236}">
+                <a16:creationId xmlns:a16="http://schemas.microsoft.com/office/drawing/2014/main" id="{27C63E2A-6F71-4AC0-71BB-BCB33D521473}"/>
+              </a:ext>
+            </a:extLst>
+          </p:cNvPr>
+          <p:cNvSpPr/>
+          <p:nvPr/>
+        </p:nvSpPr>
+        <p:spPr>
+          <a:xfrm>
+            <a:off x="5143499" y="1068160"/>
+            <a:ext cx="1333500" cy="459922"/>
+          </a:xfrm>
+          <a:prstGeom prst="rect">
+            <a:avLst/>
+          </a:prstGeom>
+        </p:spPr>
+        <p:style>
+          <a:lnRef idx="2">
+            <a:schemeClr val="accent1">
+              <a:shade val="50000"/>
+            </a:schemeClr>
+          </a:lnRef>
+          <a:fillRef idx="1">
+            <a:schemeClr val="accent1"/>
+          </a:fillRef>
+          <a:effectRef idx="0">
+            <a:schemeClr val="accent1"/>
+          </a:effectRef>
+          <a:fontRef idx="minor">
+            <a:schemeClr val="lt1"/>
+          </a:fontRef>
+        </p:style>
+        <p:txBody>
+          <a:bodyPr rtlCol="0" anchor="ctr"/>
+          <a:lstStyle/>
+          <a:p>
+            <a:pPr algn="ctr"/>
+            <a:r>
+              <a:rPr lang="en-US" dirty="0"/>
+              <a:t>Start</a:t>
+            </a:r>
+          </a:p>
+        </p:txBody>
+      </p:sp>
+      <p:sp>
+        <p:nvSpPr>
+          <p:cNvPr id="8" name="Rectangle 7">
+            <a:extLst>
+              <a:ext uri="{FF2B5EF4-FFF2-40B4-BE49-F238E27FC236}">
+                <a16:creationId xmlns:a16="http://schemas.microsoft.com/office/drawing/2014/main" id="{74A509FE-D9C6-7940-2E26-2B90FF6FDF7E}"/>
+              </a:ext>
+            </a:extLst>
+          </p:cNvPr>
+          <p:cNvSpPr/>
+          <p:nvPr/>
+        </p:nvSpPr>
+        <p:spPr>
+          <a:xfrm>
+            <a:off x="4747460" y="1713139"/>
+            <a:ext cx="2125580" cy="459921"/>
+          </a:xfrm>
+          <a:prstGeom prst="rect">
+            <a:avLst/>
+          </a:prstGeom>
+        </p:spPr>
+        <p:style>
+          <a:lnRef idx="2">
+            <a:schemeClr val="accent1">
+              <a:shade val="50000"/>
+            </a:schemeClr>
+          </a:lnRef>
+          <a:fillRef idx="1">
+            <a:schemeClr val="accent1"/>
+          </a:fillRef>
+          <a:effectRef idx="0">
+            <a:schemeClr val="accent1"/>
+          </a:effectRef>
+          <a:fontRef idx="minor">
+            <a:schemeClr val="lt1"/>
+          </a:fontRef>
+        </p:style>
+        <p:txBody>
+          <a:bodyPr rtlCol="0" anchor="ctr"/>
+          <a:lstStyle/>
+          <a:p>
+            <a:pPr algn="ctr"/>
+            <a:r>
+              <a:rPr lang="en-US" dirty="0"/>
+              <a:t>Check distance</a:t>
+            </a:r>
+          </a:p>
+        </p:txBody>
+      </p:sp>
+      <p:sp>
+        <p:nvSpPr>
+          <p:cNvPr id="9" name="Rectangle 8">
+            <a:extLst>
+              <a:ext uri="{FF2B5EF4-FFF2-40B4-BE49-F238E27FC236}">
+                <a16:creationId xmlns:a16="http://schemas.microsoft.com/office/drawing/2014/main" id="{577E6065-0B21-7F34-25B6-5D078C81BECE}"/>
+              </a:ext>
+            </a:extLst>
+          </p:cNvPr>
+          <p:cNvSpPr/>
+          <p:nvPr/>
+        </p:nvSpPr>
+        <p:spPr>
+          <a:xfrm>
+            <a:off x="4747460" y="2467428"/>
+            <a:ext cx="2125580" cy="514350"/>
+          </a:xfrm>
+          <a:prstGeom prst="rect">
+            <a:avLst/>
+          </a:prstGeom>
+        </p:spPr>
+        <p:style>
+          <a:lnRef idx="2">
+            <a:schemeClr val="accent1">
+              <a:shade val="50000"/>
+            </a:schemeClr>
+          </a:lnRef>
+          <a:fillRef idx="1">
+            <a:schemeClr val="accent1"/>
+          </a:fillRef>
+          <a:effectRef idx="0">
+            <a:schemeClr val="accent1"/>
+          </a:effectRef>
+          <a:fontRef idx="minor">
+            <a:schemeClr val="lt1"/>
+          </a:fontRef>
+        </p:style>
+        <p:txBody>
+          <a:bodyPr rtlCol="0" anchor="ctr"/>
+          <a:lstStyle/>
+          <a:p>
+            <a:pPr algn="ctr"/>
+            <a:r>
+              <a:rPr lang="en-US" dirty="0"/>
+              <a:t>Go Right(steps)</a:t>
+            </a:r>
+          </a:p>
+        </p:txBody>
+      </p:sp>
+      <p:sp>
+        <p:nvSpPr>
+          <p:cNvPr id="10" name="Rectangle 9">
+            <a:extLst>
+              <a:ext uri="{FF2B5EF4-FFF2-40B4-BE49-F238E27FC236}">
+                <a16:creationId xmlns:a16="http://schemas.microsoft.com/office/drawing/2014/main" id="{4772949F-461F-9539-34D0-0C9DDDC66A53}"/>
+              </a:ext>
+            </a:extLst>
+          </p:cNvPr>
+          <p:cNvSpPr/>
+          <p:nvPr/>
+        </p:nvSpPr>
+        <p:spPr>
+          <a:xfrm>
+            <a:off x="4884583" y="3255736"/>
+            <a:ext cx="1988457" cy="514350"/>
+          </a:xfrm>
+          <a:prstGeom prst="rect">
+            <a:avLst/>
+          </a:prstGeom>
+        </p:spPr>
+        <p:style>
+          <a:lnRef idx="2">
+            <a:schemeClr val="accent1">
+              <a:shade val="50000"/>
+            </a:schemeClr>
+          </a:lnRef>
+          <a:fillRef idx="1">
+            <a:schemeClr val="accent1"/>
+          </a:fillRef>
+          <a:effectRef idx="0">
+            <a:schemeClr val="accent1"/>
+          </a:effectRef>
+          <a:fontRef idx="minor">
+            <a:schemeClr val="lt1"/>
+          </a:fontRef>
+        </p:style>
+        <p:txBody>
+          <a:bodyPr rtlCol="0" anchor="ctr"/>
+          <a:lstStyle/>
+          <a:p>
+            <a:pPr algn="ctr"/>
+            <a:r>
+              <a:rPr lang="en-US" dirty="0"/>
+              <a:t>Increase counter </a:t>
+            </a:r>
+          </a:p>
+        </p:txBody>
+      </p:sp>
+      <p:sp>
+        <p:nvSpPr>
+          <p:cNvPr id="11" name="Rectangle 10">
+            <a:extLst>
+              <a:ext uri="{FF2B5EF4-FFF2-40B4-BE49-F238E27FC236}">
+                <a16:creationId xmlns:a16="http://schemas.microsoft.com/office/drawing/2014/main" id="{6C29E35C-8D8C-7A03-0655-364EFC0B0DAF}"/>
+              </a:ext>
+            </a:extLst>
+          </p:cNvPr>
+          <p:cNvSpPr/>
+          <p:nvPr/>
+        </p:nvSpPr>
+        <p:spPr>
+          <a:xfrm>
+            <a:off x="5048321" y="3937907"/>
+            <a:ext cx="1660980" cy="742950"/>
+          </a:xfrm>
+          <a:prstGeom prst="rect">
+            <a:avLst/>
+          </a:prstGeom>
+        </p:spPr>
+        <p:style>
+          <a:lnRef idx="2">
+            <a:schemeClr val="accent1">
+              <a:shade val="50000"/>
+            </a:schemeClr>
+          </a:lnRef>
+          <a:fillRef idx="1">
+            <a:schemeClr val="accent1"/>
+          </a:fillRef>
+          <a:effectRef idx="0">
+            <a:schemeClr val="accent1"/>
+          </a:effectRef>
+          <a:fontRef idx="minor">
+            <a:schemeClr val="lt1"/>
+          </a:fontRef>
+        </p:style>
+        <p:txBody>
+          <a:bodyPr rtlCol="0" anchor="ctr"/>
+          <a:lstStyle/>
+          <a:p>
+            <a:pPr algn="ctr"/>
+            <a:r>
+              <a:rPr lang="en-US" dirty="0"/>
+              <a:t>Open bottle</a:t>
+            </a:r>
+          </a:p>
+        </p:txBody>
+      </p:sp>
+      <p:sp>
+        <p:nvSpPr>
+          <p:cNvPr id="12" name="Rectangle 11">
+            <a:extLst>
+              <a:ext uri="{FF2B5EF4-FFF2-40B4-BE49-F238E27FC236}">
+                <a16:creationId xmlns:a16="http://schemas.microsoft.com/office/drawing/2014/main" id="{17170F5F-4818-72A4-E14A-9FCFD6AEECF3}"/>
+              </a:ext>
+            </a:extLst>
+          </p:cNvPr>
+          <p:cNvSpPr/>
+          <p:nvPr/>
+        </p:nvSpPr>
+        <p:spPr>
+          <a:xfrm>
+            <a:off x="4572000" y="4966607"/>
+            <a:ext cx="2636539" cy="742950"/>
+          </a:xfrm>
+          <a:prstGeom prst="rect">
+            <a:avLst/>
+          </a:prstGeom>
+        </p:spPr>
+        <p:style>
+          <a:lnRef idx="2">
+            <a:schemeClr val="accent1">
+              <a:shade val="50000"/>
+            </a:schemeClr>
+          </a:lnRef>
+          <a:fillRef idx="1">
+            <a:schemeClr val="accent1"/>
+          </a:fillRef>
+          <a:effectRef idx="0">
+            <a:schemeClr val="accent1"/>
+          </a:effectRef>
+          <a:fontRef idx="minor">
+            <a:schemeClr val="lt1"/>
+          </a:fontRef>
+        </p:style>
+        <p:txBody>
+          <a:bodyPr rtlCol="0" anchor="ctr"/>
+          <a:lstStyle/>
+          <a:p>
+            <a:pPr algn="ctr"/>
+            <a:r>
+              <a:rPr lang="en-US" dirty="0"/>
+              <a:t>Go Left (starting point)</a:t>
+            </a:r>
+          </a:p>
+        </p:txBody>
+      </p:sp>
+      <p:sp>
+        <p:nvSpPr>
+          <p:cNvPr id="14" name="Rectangle 13">
+            <a:extLst>
+              <a:ext uri="{FF2B5EF4-FFF2-40B4-BE49-F238E27FC236}">
+                <a16:creationId xmlns:a16="http://schemas.microsoft.com/office/drawing/2014/main" id="{1ABA481B-9244-C6AB-FCF4-8D4E5BA7D522}"/>
+              </a:ext>
+            </a:extLst>
+          </p:cNvPr>
+          <p:cNvSpPr/>
+          <p:nvPr/>
+        </p:nvSpPr>
+        <p:spPr>
+          <a:xfrm>
+            <a:off x="4979641" y="5877378"/>
+            <a:ext cx="1798339" cy="688523"/>
+          </a:xfrm>
+          <a:prstGeom prst="rect">
+            <a:avLst/>
+          </a:prstGeom>
+        </p:spPr>
+        <p:style>
+          <a:lnRef idx="2">
+            <a:schemeClr val="accent1">
+              <a:shade val="50000"/>
+            </a:schemeClr>
+          </a:lnRef>
+          <a:fillRef idx="1">
+            <a:schemeClr val="accent1"/>
+          </a:fillRef>
+          <a:effectRef idx="0">
+            <a:schemeClr val="accent1"/>
+          </a:effectRef>
+          <a:fontRef idx="minor">
+            <a:schemeClr val="lt1"/>
+          </a:fontRef>
+        </p:style>
+        <p:txBody>
+          <a:bodyPr rtlCol="0" anchor="ctr"/>
+          <a:lstStyle/>
+          <a:p>
+            <a:pPr algn="ctr"/>
+            <a:r>
+              <a:rPr lang="en-US" dirty="0"/>
+              <a:t>Update Display</a:t>
+            </a:r>
+          </a:p>
+        </p:txBody>
+      </p:sp>
+      <mc:AlternateContent xmlns:mc="http://schemas.openxmlformats.org/markup-compatibility/2006">
+        <mc:Choice xmlns:p14="http://schemas.microsoft.com/office/powerpoint/2010/main" Requires="p14">
+          <p:contentPart p14:bwMode="auto" r:id="rId2">
+            <p14:nvContentPartPr>
+              <p14:cNvPr id="15" name="Ink 14">
+                <a:extLst>
+                  <a:ext uri="{FF2B5EF4-FFF2-40B4-BE49-F238E27FC236}">
+                    <a16:creationId xmlns:a16="http://schemas.microsoft.com/office/drawing/2014/main" id="{19E9BB5E-5ECD-58F8-0A6D-19DD30F1A7FF}"/>
+                  </a:ext>
+                </a:extLst>
+              </p14:cNvPr>
+              <p14:cNvContentPartPr/>
+              <p14:nvPr/>
+            </p14:nvContentPartPr>
+            <p14:xfrm>
+              <a:off x="5791480" y="856440"/>
+              <a:ext cx="360" cy="245520"/>
+            </p14:xfrm>
+          </p:contentPart>
+        </mc:Choice>
+        <mc:Fallback>
+          <p:pic>
+            <p:nvPicPr>
+              <p:cNvPr id="15" name="Ink 14">
+                <a:extLst>
+                  <a:ext uri="{FF2B5EF4-FFF2-40B4-BE49-F238E27FC236}">
+                    <a16:creationId xmlns:a16="http://schemas.microsoft.com/office/drawing/2014/main" id="{19E9BB5E-5ECD-58F8-0A6D-19DD30F1A7FF}"/>
+                  </a:ext>
+                </a:extLst>
+              </p:cNvPr>
+              <p:cNvPicPr/>
+              <p:nvPr/>
+            </p:nvPicPr>
+            <p:blipFill>
+              <a:blip r:embed="rId3"/>
+              <a:stretch>
+                <a:fillRect/>
+              </a:stretch>
+            </p:blipFill>
+            <p:spPr>
+              <a:xfrm>
+                <a:off x="5782480" y="847440"/>
+                <a:ext cx="18000" cy="263160"/>
+              </a:xfrm>
+              <a:prstGeom prst="rect">
+                <a:avLst/>
+              </a:prstGeom>
+            </p:spPr>
+          </p:pic>
+        </mc:Fallback>
+      </mc:AlternateContent>
+      <mc:AlternateContent xmlns:mc="http://schemas.openxmlformats.org/markup-compatibility/2006">
+        <mc:Choice xmlns:p14="http://schemas.microsoft.com/office/powerpoint/2010/main" Requires="p14">
+          <p:contentPart p14:bwMode="auto" r:id="rId4">
+            <p14:nvContentPartPr>
+              <p14:cNvPr id="16" name="Ink 15">
+                <a:extLst>
+                  <a:ext uri="{FF2B5EF4-FFF2-40B4-BE49-F238E27FC236}">
+                    <a16:creationId xmlns:a16="http://schemas.microsoft.com/office/drawing/2014/main" id="{1789425D-3AF0-5104-8157-EF8D062EA7CE}"/>
+                  </a:ext>
+                </a:extLst>
+              </p14:cNvPr>
+              <p14:cNvContentPartPr/>
+              <p14:nvPr/>
+            </p14:nvContentPartPr>
+            <p14:xfrm>
+              <a:off x="5834680" y="1509120"/>
+              <a:ext cx="360" cy="197280"/>
+            </p14:xfrm>
+          </p:contentPart>
+        </mc:Choice>
+        <mc:Fallback>
+          <p:pic>
+            <p:nvPicPr>
+              <p:cNvPr id="16" name="Ink 15">
+                <a:extLst>
+                  <a:ext uri="{FF2B5EF4-FFF2-40B4-BE49-F238E27FC236}">
+                    <a16:creationId xmlns:a16="http://schemas.microsoft.com/office/drawing/2014/main" id="{1789425D-3AF0-5104-8157-EF8D062EA7CE}"/>
+                  </a:ext>
+                </a:extLst>
+              </p:cNvPr>
+              <p:cNvPicPr/>
+              <p:nvPr/>
+            </p:nvPicPr>
+            <p:blipFill>
+              <a:blip r:embed="rId5"/>
+              <a:stretch>
+                <a:fillRect/>
+              </a:stretch>
+            </p:blipFill>
+            <p:spPr>
+              <a:xfrm>
+                <a:off x="5825680" y="1500480"/>
+                <a:ext cx="18000" cy="214920"/>
+              </a:xfrm>
+              <a:prstGeom prst="rect">
+                <a:avLst/>
+              </a:prstGeom>
+            </p:spPr>
+          </p:pic>
+        </mc:Fallback>
+      </mc:AlternateContent>
+      <mc:AlternateContent xmlns:mc="http://schemas.openxmlformats.org/markup-compatibility/2006">
+        <mc:Choice xmlns:p14="http://schemas.microsoft.com/office/powerpoint/2010/main" Requires="p14">
+          <p:contentPart p14:bwMode="auto" r:id="rId6">
+            <p14:nvContentPartPr>
+              <p14:cNvPr id="19" name="Ink 18">
+                <a:extLst>
+                  <a:ext uri="{FF2B5EF4-FFF2-40B4-BE49-F238E27FC236}">
+                    <a16:creationId xmlns:a16="http://schemas.microsoft.com/office/drawing/2014/main" id="{9FCE8305-7430-0AEC-0977-6302164ADA48}"/>
+                  </a:ext>
+                </a:extLst>
+              </p14:cNvPr>
+              <p14:cNvContentPartPr/>
+              <p14:nvPr/>
+            </p14:nvContentPartPr>
+            <p14:xfrm>
+              <a:off x="3582520" y="1944360"/>
+              <a:ext cx="1492920" cy="2413440"/>
+            </p14:xfrm>
+          </p:contentPart>
+        </mc:Choice>
+        <mc:Fallback>
+          <p:pic>
+            <p:nvPicPr>
+              <p:cNvPr id="19" name="Ink 18">
+                <a:extLst>
+                  <a:ext uri="{FF2B5EF4-FFF2-40B4-BE49-F238E27FC236}">
+                    <a16:creationId xmlns:a16="http://schemas.microsoft.com/office/drawing/2014/main" id="{9FCE8305-7430-0AEC-0977-6302164ADA48}"/>
+                  </a:ext>
+                </a:extLst>
+              </p:cNvPr>
+              <p:cNvPicPr/>
+              <p:nvPr/>
+            </p:nvPicPr>
+            <p:blipFill>
+              <a:blip r:embed="rId7"/>
+              <a:stretch>
+                <a:fillRect/>
+              </a:stretch>
+            </p:blipFill>
+            <p:spPr>
+              <a:xfrm>
+                <a:off x="3573520" y="1935720"/>
+                <a:ext cx="1510560" cy="2431080"/>
+              </a:xfrm>
+              <a:prstGeom prst="rect">
+                <a:avLst/>
+              </a:prstGeom>
+            </p:spPr>
+          </p:pic>
+        </mc:Fallback>
+      </mc:AlternateContent>
+      <mc:AlternateContent xmlns:mc="http://schemas.openxmlformats.org/markup-compatibility/2006">
+        <mc:Choice xmlns:p14="http://schemas.microsoft.com/office/powerpoint/2010/main" Requires="p14">
+          <p:contentPart p14:bwMode="auto" r:id="rId8">
+            <p14:nvContentPartPr>
+              <p14:cNvPr id="20" name="Ink 19">
+                <a:extLst>
+                  <a:ext uri="{FF2B5EF4-FFF2-40B4-BE49-F238E27FC236}">
+                    <a16:creationId xmlns:a16="http://schemas.microsoft.com/office/drawing/2014/main" id="{7B118987-7D31-7FE6-B9A8-ECD038D29A3F}"/>
+                  </a:ext>
+                </a:extLst>
+              </p14:cNvPr>
+              <p14:cNvContentPartPr/>
+              <p14:nvPr/>
+            </p14:nvContentPartPr>
+            <p14:xfrm>
+              <a:off x="5805880" y="2176920"/>
+              <a:ext cx="360" cy="372960"/>
+            </p14:xfrm>
+          </p:contentPart>
+        </mc:Choice>
+        <mc:Fallback>
+          <p:pic>
+            <p:nvPicPr>
+              <p:cNvPr id="20" name="Ink 19">
+                <a:extLst>
+                  <a:ext uri="{FF2B5EF4-FFF2-40B4-BE49-F238E27FC236}">
+                    <a16:creationId xmlns:a16="http://schemas.microsoft.com/office/drawing/2014/main" id="{7B118987-7D31-7FE6-B9A8-ECD038D29A3F}"/>
+                  </a:ext>
+                </a:extLst>
+              </p:cNvPr>
+              <p:cNvPicPr/>
+              <p:nvPr/>
+            </p:nvPicPr>
+            <p:blipFill>
+              <a:blip r:embed="rId9"/>
+              <a:stretch>
+                <a:fillRect/>
+              </a:stretch>
+            </p:blipFill>
+            <p:spPr>
+              <a:xfrm>
+                <a:off x="5796880" y="2168280"/>
+                <a:ext cx="18000" cy="390600"/>
+              </a:xfrm>
+              <a:prstGeom prst="rect">
+                <a:avLst/>
+              </a:prstGeom>
+            </p:spPr>
+          </p:pic>
+        </mc:Fallback>
+      </mc:AlternateContent>
+      <mc:AlternateContent xmlns:mc="http://schemas.openxmlformats.org/markup-compatibility/2006">
+        <mc:Choice xmlns:p14="http://schemas.microsoft.com/office/powerpoint/2010/main" Requires="p14">
+          <p:contentPart p14:bwMode="auto" r:id="rId10">
+            <p14:nvContentPartPr>
+              <p14:cNvPr id="22" name="Ink 21">
+                <a:extLst>
+                  <a:ext uri="{FF2B5EF4-FFF2-40B4-BE49-F238E27FC236}">
+                    <a16:creationId xmlns:a16="http://schemas.microsoft.com/office/drawing/2014/main" id="{003C6E71-6D73-45F9-D7AA-26EE57083C8A}"/>
+                  </a:ext>
+                </a:extLst>
+              </p14:cNvPr>
+              <p14:cNvContentPartPr/>
+              <p14:nvPr/>
+            </p14:nvContentPartPr>
+            <p14:xfrm>
+              <a:off x="5791480" y="2961000"/>
+              <a:ext cx="360" cy="275040"/>
+            </p14:xfrm>
+          </p:contentPart>
+        </mc:Choice>
+        <mc:Fallback>
+          <p:pic>
+            <p:nvPicPr>
+              <p:cNvPr id="22" name="Ink 21">
+                <a:extLst>
+                  <a:ext uri="{FF2B5EF4-FFF2-40B4-BE49-F238E27FC236}">
+                    <a16:creationId xmlns:a16="http://schemas.microsoft.com/office/drawing/2014/main" id="{003C6E71-6D73-45F9-D7AA-26EE57083C8A}"/>
+                  </a:ext>
+                </a:extLst>
+              </p:cNvPr>
+              <p:cNvPicPr/>
+              <p:nvPr/>
+            </p:nvPicPr>
+            <p:blipFill>
+              <a:blip r:embed="rId11"/>
+              <a:stretch>
+                <a:fillRect/>
+              </a:stretch>
+            </p:blipFill>
+            <p:spPr>
+              <a:xfrm>
+                <a:off x="5782480" y="2952000"/>
+                <a:ext cx="18000" cy="292680"/>
+              </a:xfrm>
+              <a:prstGeom prst="rect">
+                <a:avLst/>
+              </a:prstGeom>
+            </p:spPr>
+          </p:pic>
+        </mc:Fallback>
+      </mc:AlternateContent>
+      <mc:AlternateContent xmlns:mc="http://schemas.openxmlformats.org/markup-compatibility/2006">
+        <mc:Choice xmlns:p14="http://schemas.microsoft.com/office/powerpoint/2010/main" Requires="p14">
+          <p:contentPart p14:bwMode="auto" r:id="rId12">
+            <p14:nvContentPartPr>
+              <p14:cNvPr id="23" name="Ink 22">
+                <a:extLst>
+                  <a:ext uri="{FF2B5EF4-FFF2-40B4-BE49-F238E27FC236}">
+                    <a16:creationId xmlns:a16="http://schemas.microsoft.com/office/drawing/2014/main" id="{1DD991FF-8036-15BC-1269-556F532996B3}"/>
+                  </a:ext>
+                </a:extLst>
+              </p14:cNvPr>
+              <p14:cNvContentPartPr/>
+              <p14:nvPr/>
+            </p14:nvContentPartPr>
+            <p14:xfrm>
+              <a:off x="6894160" y="1867680"/>
+              <a:ext cx="1223280" cy="1674360"/>
+            </p14:xfrm>
+          </p:contentPart>
+        </mc:Choice>
+        <mc:Fallback>
+          <p:pic>
+            <p:nvPicPr>
+              <p:cNvPr id="23" name="Ink 22">
+                <a:extLst>
+                  <a:ext uri="{FF2B5EF4-FFF2-40B4-BE49-F238E27FC236}">
+                    <a16:creationId xmlns:a16="http://schemas.microsoft.com/office/drawing/2014/main" id="{1DD991FF-8036-15BC-1269-556F532996B3}"/>
+                  </a:ext>
+                </a:extLst>
+              </p:cNvPr>
+              <p:cNvPicPr/>
+              <p:nvPr/>
+            </p:nvPicPr>
+            <p:blipFill>
+              <a:blip r:embed="rId13"/>
+              <a:stretch>
+                <a:fillRect/>
+              </a:stretch>
+            </p:blipFill>
+            <p:spPr>
+              <a:xfrm>
+                <a:off x="6885160" y="1859040"/>
+                <a:ext cx="1240920" cy="1692000"/>
+              </a:xfrm>
+              <a:prstGeom prst="rect">
+                <a:avLst/>
+              </a:prstGeom>
+            </p:spPr>
+          </p:pic>
+        </mc:Fallback>
+      </mc:AlternateContent>
+      <mc:AlternateContent xmlns:mc="http://schemas.openxmlformats.org/markup-compatibility/2006">
+        <mc:Choice xmlns:p14="http://schemas.microsoft.com/office/powerpoint/2010/main" Requires="p14">
+          <p:contentPart p14:bwMode="auto" r:id="rId14">
+            <p14:nvContentPartPr>
+              <p14:cNvPr id="24" name="Ink 23">
+                <a:extLst>
+                  <a:ext uri="{FF2B5EF4-FFF2-40B4-BE49-F238E27FC236}">
+                    <a16:creationId xmlns:a16="http://schemas.microsoft.com/office/drawing/2014/main" id="{9832EF9C-7E39-B1EF-F968-62D457A70754}"/>
+                  </a:ext>
+                </a:extLst>
+              </p14:cNvPr>
+              <p14:cNvContentPartPr/>
+              <p14:nvPr/>
+            </p14:nvContentPartPr>
+            <p14:xfrm>
+              <a:off x="6897040" y="1741680"/>
+              <a:ext cx="378720" cy="502920"/>
+            </p14:xfrm>
+          </p:contentPart>
+        </mc:Choice>
+        <mc:Fallback>
+          <p:pic>
+            <p:nvPicPr>
+              <p:cNvPr id="24" name="Ink 23">
+                <a:extLst>
+                  <a:ext uri="{FF2B5EF4-FFF2-40B4-BE49-F238E27FC236}">
+                    <a16:creationId xmlns:a16="http://schemas.microsoft.com/office/drawing/2014/main" id="{9832EF9C-7E39-B1EF-F968-62D457A70754}"/>
+                  </a:ext>
+                </a:extLst>
+              </p:cNvPr>
+              <p:cNvPicPr/>
+              <p:nvPr/>
+            </p:nvPicPr>
+            <p:blipFill>
+              <a:blip r:embed="rId15"/>
+              <a:stretch>
+                <a:fillRect/>
+              </a:stretch>
+            </p:blipFill>
+            <p:spPr>
+              <a:xfrm>
+                <a:off x="6888040" y="1732680"/>
+                <a:ext cx="396360" cy="520560"/>
+              </a:xfrm>
+              <a:prstGeom prst="rect">
+                <a:avLst/>
+              </a:prstGeom>
+            </p:spPr>
+          </p:pic>
+        </mc:Fallback>
+      </mc:AlternateContent>
+      <mc:AlternateContent xmlns:mc="http://schemas.openxmlformats.org/markup-compatibility/2006">
+        <mc:Choice xmlns:p14="http://schemas.microsoft.com/office/powerpoint/2010/main" Requires="p14">
+          <p:contentPart p14:bwMode="auto" r:id="rId16">
+            <p14:nvContentPartPr>
+              <p14:cNvPr id="27" name="Ink 26">
+                <a:extLst>
+                  <a:ext uri="{FF2B5EF4-FFF2-40B4-BE49-F238E27FC236}">
+                    <a16:creationId xmlns:a16="http://schemas.microsoft.com/office/drawing/2014/main" id="{8FAF7CEB-5D8A-13BE-877A-688B2CB098D2}"/>
+                  </a:ext>
+                </a:extLst>
+              </p14:cNvPr>
+              <p14:cNvContentPartPr/>
+              <p14:nvPr/>
+            </p14:nvContentPartPr>
+            <p14:xfrm>
+              <a:off x="4827400" y="4020120"/>
+              <a:ext cx="204120" cy="456840"/>
+            </p14:xfrm>
+          </p:contentPart>
+        </mc:Choice>
+        <mc:Fallback>
+          <p:pic>
+            <p:nvPicPr>
+              <p:cNvPr id="27" name="Ink 26">
+                <a:extLst>
+                  <a:ext uri="{FF2B5EF4-FFF2-40B4-BE49-F238E27FC236}">
+                    <a16:creationId xmlns:a16="http://schemas.microsoft.com/office/drawing/2014/main" id="{8FAF7CEB-5D8A-13BE-877A-688B2CB098D2}"/>
+                  </a:ext>
+                </a:extLst>
+              </p:cNvPr>
+              <p:cNvPicPr/>
+              <p:nvPr/>
+            </p:nvPicPr>
+            <p:blipFill>
+              <a:blip r:embed="rId17"/>
+              <a:stretch>
+                <a:fillRect/>
+              </a:stretch>
+            </p:blipFill>
+            <p:spPr>
+              <a:xfrm>
+                <a:off x="4818760" y="4011480"/>
+                <a:ext cx="221760" cy="474480"/>
+              </a:xfrm>
+              <a:prstGeom prst="rect">
+                <a:avLst/>
+              </a:prstGeom>
+            </p:spPr>
+          </p:pic>
+        </mc:Fallback>
+      </mc:AlternateContent>
+      <mc:AlternateContent xmlns:mc="http://schemas.openxmlformats.org/markup-compatibility/2006">
+        <mc:Choice xmlns:p14="http://schemas.microsoft.com/office/powerpoint/2010/main" Requires="p14">
+          <p:contentPart p14:bwMode="auto" r:id="rId18">
+            <p14:nvContentPartPr>
+              <p14:cNvPr id="28" name="Ink 27">
+                <a:extLst>
+                  <a:ext uri="{FF2B5EF4-FFF2-40B4-BE49-F238E27FC236}">
+                    <a16:creationId xmlns:a16="http://schemas.microsoft.com/office/drawing/2014/main" id="{EC3BD5CE-C72C-3668-C2A2-86750198AC9D}"/>
+                  </a:ext>
+                </a:extLst>
+              </p14:cNvPr>
+              <p14:cNvContentPartPr/>
+              <p14:nvPr/>
+            </p14:nvContentPartPr>
+            <p14:xfrm>
+              <a:off x="5776360" y="4658760"/>
+              <a:ext cx="360" cy="289440"/>
+            </p14:xfrm>
+          </p:contentPart>
+        </mc:Choice>
+        <mc:Fallback>
+          <p:pic>
+            <p:nvPicPr>
+              <p:cNvPr id="28" name="Ink 27">
+                <a:extLst>
+                  <a:ext uri="{FF2B5EF4-FFF2-40B4-BE49-F238E27FC236}">
+                    <a16:creationId xmlns:a16="http://schemas.microsoft.com/office/drawing/2014/main" id="{EC3BD5CE-C72C-3668-C2A2-86750198AC9D}"/>
+                  </a:ext>
+                </a:extLst>
+              </p:cNvPr>
+              <p:cNvPicPr/>
+              <p:nvPr/>
+            </p:nvPicPr>
+            <p:blipFill>
+              <a:blip r:embed="rId19"/>
+              <a:stretch>
+                <a:fillRect/>
+              </a:stretch>
+            </p:blipFill>
+            <p:spPr>
+              <a:xfrm>
+                <a:off x="5767360" y="4649760"/>
+                <a:ext cx="18000" cy="307080"/>
+              </a:xfrm>
+              <a:prstGeom prst="rect">
+                <a:avLst/>
+              </a:prstGeom>
+            </p:spPr>
+          </p:pic>
+        </mc:Fallback>
+      </mc:AlternateContent>
+      <mc:AlternateContent xmlns:mc="http://schemas.openxmlformats.org/markup-compatibility/2006">
+        <mc:Choice xmlns:p14="http://schemas.microsoft.com/office/powerpoint/2010/main" Requires="p14">
+          <p:contentPart p14:bwMode="auto" r:id="rId20">
+            <p14:nvContentPartPr>
+              <p14:cNvPr id="29" name="Ink 28">
+                <a:extLst>
+                  <a:ext uri="{FF2B5EF4-FFF2-40B4-BE49-F238E27FC236}">
+                    <a16:creationId xmlns:a16="http://schemas.microsoft.com/office/drawing/2014/main" id="{9D1AAF19-C1E6-2311-8E64-E569A0ECE630}"/>
+                  </a:ext>
+                </a:extLst>
+              </p14:cNvPr>
+              <p14:cNvContentPartPr/>
+              <p14:nvPr/>
+            </p14:nvContentPartPr>
+            <p14:xfrm>
+              <a:off x="5776360" y="5689440"/>
+              <a:ext cx="360" cy="173160"/>
+            </p14:xfrm>
+          </p:contentPart>
+        </mc:Choice>
+        <mc:Fallback>
+          <p:pic>
+            <p:nvPicPr>
+              <p:cNvPr id="29" name="Ink 28">
+                <a:extLst>
+                  <a:ext uri="{FF2B5EF4-FFF2-40B4-BE49-F238E27FC236}">
+                    <a16:creationId xmlns:a16="http://schemas.microsoft.com/office/drawing/2014/main" id="{9D1AAF19-C1E6-2311-8E64-E569A0ECE630}"/>
+                  </a:ext>
+                </a:extLst>
+              </p:cNvPr>
+              <p:cNvPicPr/>
+              <p:nvPr/>
+            </p:nvPicPr>
+            <p:blipFill>
+              <a:blip r:embed="rId21"/>
+              <a:stretch>
+                <a:fillRect/>
+              </a:stretch>
+            </p:blipFill>
+            <p:spPr>
+              <a:xfrm>
+                <a:off x="5767360" y="5680440"/>
+                <a:ext cx="18000" cy="190800"/>
+              </a:xfrm>
+              <a:prstGeom prst="rect">
+                <a:avLst/>
+              </a:prstGeom>
+            </p:spPr>
+          </p:pic>
+        </mc:Fallback>
+      </mc:AlternateContent>
+      <p:sp>
+        <p:nvSpPr>
+          <p:cNvPr id="30" name="TextBox 29">
+            <a:extLst>
+              <a:ext uri="{FF2B5EF4-FFF2-40B4-BE49-F238E27FC236}">
+                <a16:creationId xmlns:a16="http://schemas.microsoft.com/office/drawing/2014/main" id="{20A8C0A9-5BA4-EA81-269A-5DB6614CF5FC}"/>
+              </a:ext>
+            </a:extLst>
+          </p:cNvPr>
+          <p:cNvSpPr txBox="1"/>
+          <p:nvPr/>
+        </p:nvSpPr>
+        <p:spPr>
+          <a:xfrm>
+            <a:off x="8037980" y="2283509"/>
+            <a:ext cx="1559960" cy="646331"/>
+          </a:xfrm>
+          <a:prstGeom prst="rect">
+            <a:avLst/>
+          </a:prstGeom>
+          <a:noFill/>
+        </p:spPr>
+        <p:txBody>
+          <a:bodyPr wrap="square" rtlCol="0">
+            <a:spAutoFit/>
+          </a:bodyPr>
+          <a:lstStyle/>
+          <a:p>
+            <a:r>
+              <a:rPr lang="en-US" dirty="0"/>
+              <a:t>If Distance is Not Sufficient </a:t>
+            </a:r>
+          </a:p>
+        </p:txBody>
+      </p:sp>
+      <p:sp>
+        <p:nvSpPr>
+          <p:cNvPr id="32" name="TextBox 31">
+            <a:extLst>
+              <a:ext uri="{FF2B5EF4-FFF2-40B4-BE49-F238E27FC236}">
+                <a16:creationId xmlns:a16="http://schemas.microsoft.com/office/drawing/2014/main" id="{D7348853-8E7F-A6CC-7FA5-B91C51718A97}"/>
+              </a:ext>
+            </a:extLst>
+          </p:cNvPr>
+          <p:cNvSpPr txBox="1"/>
+          <p:nvPr/>
+        </p:nvSpPr>
+        <p:spPr>
+          <a:xfrm>
+            <a:off x="2012000" y="2504749"/>
+            <a:ext cx="1559960" cy="646331"/>
+          </a:xfrm>
+          <a:prstGeom prst="rect">
+            <a:avLst/>
+          </a:prstGeom>
+          <a:noFill/>
+        </p:spPr>
+        <p:txBody>
+          <a:bodyPr wrap="square" rtlCol="0">
+            <a:spAutoFit/>
+          </a:bodyPr>
+          <a:lstStyle/>
+          <a:p>
+            <a:r>
+              <a:rPr lang="en-US" dirty="0"/>
+              <a:t>If Distance is Sufficient </a:t>
+            </a:r>
+          </a:p>
+        </p:txBody>
+      </p:sp>
+      <p:grpSp>
+        <p:nvGrpSpPr>
+          <p:cNvPr id="46" name="Group 45">
+            <a:extLst>
+              <a:ext uri="{FF2B5EF4-FFF2-40B4-BE49-F238E27FC236}">
+                <a16:creationId xmlns:a16="http://schemas.microsoft.com/office/drawing/2014/main" id="{13063160-C09C-9F80-9AE2-98D2C62E7061}"/>
+              </a:ext>
+            </a:extLst>
+          </p:cNvPr>
+          <p:cNvGrpSpPr/>
+          <p:nvPr/>
+        </p:nvGrpSpPr>
+        <p:grpSpPr>
+          <a:xfrm>
+            <a:off x="6807040" y="319320"/>
+            <a:ext cx="3298320" cy="5952600"/>
+            <a:chOff x="6807040" y="319320"/>
+            <a:chExt cx="3298320" cy="5952600"/>
+          </a:xfrm>
+        </p:grpSpPr>
+        <mc:AlternateContent xmlns:mc="http://schemas.openxmlformats.org/markup-compatibility/2006">
+          <mc:Choice xmlns:p14="http://schemas.microsoft.com/office/powerpoint/2010/main" Requires="p14">
+            <p:contentPart p14:bwMode="auto" r:id="rId22">
+              <p14:nvContentPartPr>
+                <p14:cNvPr id="44" name="Ink 43">
+                  <a:extLst>
+                    <a:ext uri="{FF2B5EF4-FFF2-40B4-BE49-F238E27FC236}">
+                      <a16:creationId xmlns:a16="http://schemas.microsoft.com/office/drawing/2014/main" id="{38E62451-E192-663A-9E2F-741D5D001D62}"/>
+                    </a:ext>
+                  </a:extLst>
+                </p14:cNvPr>
+                <p14:cNvContentPartPr/>
+                <p14:nvPr/>
+              </p14:nvContentPartPr>
+              <p14:xfrm>
+                <a:off x="6807040" y="547560"/>
+                <a:ext cx="3298320" cy="5724360"/>
+              </p14:xfrm>
+            </p:contentPart>
+          </mc:Choice>
+          <mc:Fallback>
+            <p:pic>
+              <p:nvPicPr>
+                <p:cNvPr id="44" name="Ink 43">
+                  <a:extLst>
+                    <a:ext uri="{FF2B5EF4-FFF2-40B4-BE49-F238E27FC236}">
+                      <a16:creationId xmlns:a16="http://schemas.microsoft.com/office/drawing/2014/main" id="{38E62451-E192-663A-9E2F-741D5D001D62}"/>
+                    </a:ext>
+                  </a:extLst>
+                </p:cNvPr>
+                <p:cNvPicPr/>
+                <p:nvPr/>
+              </p:nvPicPr>
+              <p:blipFill>
+                <a:blip r:embed="rId23"/>
+                <a:stretch>
+                  <a:fillRect/>
+                </a:stretch>
+              </p:blipFill>
+              <p:spPr>
+                <a:xfrm>
+                  <a:off x="6798040" y="538560"/>
+                  <a:ext cx="3315960" cy="5742000"/>
+                </a:xfrm>
+                <a:prstGeom prst="rect">
+                  <a:avLst/>
+                </a:prstGeom>
+              </p:spPr>
+            </p:pic>
+          </mc:Fallback>
+        </mc:AlternateContent>
+        <mc:AlternateContent xmlns:mc="http://schemas.openxmlformats.org/markup-compatibility/2006">
+          <mc:Choice xmlns:p14="http://schemas.microsoft.com/office/powerpoint/2010/main" Requires="p14">
+            <p:contentPart p14:bwMode="auto" r:id="rId24">
+              <p14:nvContentPartPr>
+                <p14:cNvPr id="45" name="Ink 44">
+                  <a:extLst>
+                    <a:ext uri="{FF2B5EF4-FFF2-40B4-BE49-F238E27FC236}">
+                      <a16:creationId xmlns:a16="http://schemas.microsoft.com/office/drawing/2014/main" id="{E7807C4F-539E-C9E2-2E8B-29D17FE14C01}"/>
+                    </a:ext>
+                  </a:extLst>
+                </p14:cNvPr>
+                <p14:cNvContentPartPr/>
+                <p14:nvPr/>
+              </p14:nvContentPartPr>
+              <p14:xfrm>
+                <a:off x="6999640" y="319320"/>
+                <a:ext cx="272520" cy="515160"/>
+              </p14:xfrm>
+            </p:contentPart>
+          </mc:Choice>
+          <mc:Fallback>
+            <p:pic>
+              <p:nvPicPr>
+                <p:cNvPr id="45" name="Ink 44">
+                  <a:extLst>
+                    <a:ext uri="{FF2B5EF4-FFF2-40B4-BE49-F238E27FC236}">
+                      <a16:creationId xmlns:a16="http://schemas.microsoft.com/office/drawing/2014/main" id="{E7807C4F-539E-C9E2-2E8B-29D17FE14C01}"/>
+                    </a:ext>
+                  </a:extLst>
+                </p:cNvPr>
+                <p:cNvPicPr/>
+                <p:nvPr/>
+              </p:nvPicPr>
+              <p:blipFill>
+                <a:blip r:embed="rId25"/>
+                <a:stretch>
+                  <a:fillRect/>
+                </a:stretch>
+              </p:blipFill>
+              <p:spPr>
+                <a:xfrm>
+                  <a:off x="6991000" y="310680"/>
+                  <a:ext cx="290160" cy="532800"/>
+                </a:xfrm>
+                <a:prstGeom prst="rect">
+                  <a:avLst/>
+                </a:prstGeom>
+              </p:spPr>
+            </p:pic>
+          </mc:Fallback>
+        </mc:AlternateContent>
+      </p:grpSp>
+    </p:spTree>
+    <p:extLst>
+      <p:ext uri="{BB962C8B-B14F-4D97-AF65-F5344CB8AC3E}">
+        <p14:creationId xmlns:p14="http://schemas.microsoft.com/office/powerpoint/2010/main" val="2302754723"/>
+      </p:ext>
+    </p:extLst>
+  </p:cSld>
+  <p:clrMapOvr>
+    <a:masterClrMapping/>
+  </p:clrMapOvr>
+  <mc:AlternateContent xmlns:mc="http://schemas.openxmlformats.org/markup-compatibility/2006" xmlns:p14="http://schemas.microsoft.com/office/powerpoint/2010/main">
+    <mc:Choice Requires="p14">
+      <p:transition spd="med" p14:dur="700">
+        <p:fade/>
+      </p:transition>
+    </mc:Choice>
+    <mc:Fallback xmlns="">
+      <p:transition spd="med">
+        <p:fade/>
+      </p:transition>
+    </mc:Fallback>
+  </mc:AlternateContent>
+</p:sld>
+</file>
+
 <file path=ppt/theme/theme1.xml><?xml version="1.0" encoding="utf-8"?>
 <a:theme xmlns:a="http://schemas.openxmlformats.org/drawingml/2006/main" name="Diamond Grid 16x9">
   <a:themeElements>
